--- a/Whiteboard design session/WDS trainer presentation - Leveraging Azure Digital Twins in a supply chain.pptx
+++ b/Whiteboard design session/WDS trainer presentation - Leveraging Azure Digital Twins in a supply chain.pptx
@@ -143,8 +143,8 @@
 <file path=ppt/revisionInfo.xml><?xml version="1.0" encoding="utf-8"?>
 <p1510:revInfo xmlns:a="http://schemas.openxmlformats.org/drawingml/2006/main" xmlns:r="http://schemas.openxmlformats.org/officeDocument/2006/relationships" xmlns:p1510="http://schemas.microsoft.com/office/powerpoint/2015/10/main">
   <p1510:revLst>
+    <p1510:client id="{5F159153-6972-4091-9728-9592CD7B1E22}" v="1" dt="2018-06-29T19:57:36.034"/>
     <p1510:client id="{738DBAC3-60A1-4913-A600-E1113DEB827D}" v="37" dt="2018-05-10T17:30:28.024"/>
-    <p1510:client id="{5F159153-6972-4091-9728-9592CD7B1E22}" v="1" dt="2018-06-29T19:57:36.034"/>
   </p1510:revLst>
 </p1510:revInfo>
 </file>
@@ -231,7 +231,7 @@
           <a:p>
             <a:fld id="{52A13B17-C506-4D51-BB37-16B365906619}" type="datetimeFigureOut">
               <a:rPr lang="en-US" smtClean="0"/>
-              <a:t>6/29/2018</a:t>
+              <a:t>4/20/2021</a:t>
             </a:fld>
             <a:endParaRPr lang="en-US"/>
           </a:p>
@@ -1253,7 +1253,7 @@
                   <a:prstClr val="black"/>
                 </a:solidFill>
               </a:rPr>
-              <a:t>6/29/2018 12:56 PM</a:t>
+              <a:t>4/20/2021 12:20 PM</a:t>
             </a:fld>
             <a:endParaRPr lang="en-US" dirty="0">
               <a:solidFill>
@@ -1500,7 +1500,7 @@
           <a:p>
             <a:fld id="{328EAAE8-B538-48EB-83B5-2B364220CC89}" type="datetime8">
               <a:rPr lang="en-US" smtClean="0"/>
-              <a:t>6/29/2018 12:56 PM</a:t>
+              <a:t>4/20/2021 12:20 PM</a:t>
             </a:fld>
             <a:endParaRPr lang="en-US" dirty="0"/>
           </a:p>
@@ -1632,7 +1632,7 @@
           <a:p>
             <a:fld id="{5A70A388-5CB4-42F2-85B9-1AE1F63398FA}" type="datetime8">
               <a:rPr lang="en-US" smtClean="0"/>
-              <a:t>6/29/2018 12:56 PM</a:t>
+              <a:t>4/20/2021 12:20 PM</a:t>
             </a:fld>
             <a:endParaRPr lang="en-US" dirty="0"/>
           </a:p>
@@ -1815,7 +1815,7 @@
           <a:p>
             <a:fld id="{6939CF7E-134C-4B4A-9853-17D7568CBCC2}" type="datetime8">
               <a:rPr lang="en-US" smtClean="0"/>
-              <a:t>6/29/2018 12:56 PM</a:t>
+              <a:t>4/20/2021 12:20 PM</a:t>
             </a:fld>
             <a:endParaRPr lang="en-US" dirty="0"/>
           </a:p>
@@ -2221,7 +2221,7 @@
           <a:p>
             <a:fld id="{B76134C8-AC9E-49DD-B3D6-722B1A93F18D}" type="datetime8">
               <a:rPr lang="en-US" smtClean="0"/>
-              <a:t>6/29/2018 12:56 PM</a:t>
+              <a:t>4/20/2021 12:20 PM</a:t>
             </a:fld>
             <a:endParaRPr lang="en-US" dirty="0"/>
           </a:p>
@@ -2402,7 +2402,7 @@
           <a:p>
             <a:fld id="{34FAA446-E61B-4D43-A3B1-7749AA6DC131}" type="datetime8">
               <a:rPr lang="en-US" smtClean="0"/>
-              <a:t>6/29/2018 12:56 PM</a:t>
+              <a:t>4/20/2021 12:20 PM</a:t>
             </a:fld>
             <a:endParaRPr lang="en-US" dirty="0"/>
           </a:p>
@@ -2583,7 +2583,7 @@
           <a:p>
             <a:fld id="{F86059B6-667D-4F24-AA48-46C1EA5D9E8E}" type="datetime8">
               <a:rPr lang="en-US" smtClean="0"/>
-              <a:t>6/29/2018 12:56 PM</a:t>
+              <a:t>4/20/2021 12:20 PM</a:t>
             </a:fld>
             <a:endParaRPr lang="en-US" dirty="0"/>
           </a:p>
@@ -2764,7 +2764,7 @@
           <a:p>
             <a:fld id="{35A2D088-BDBD-41A5-ADCE-5C6A4DC08057}" type="datetime8">
               <a:rPr lang="en-US" smtClean="0"/>
-              <a:t>6/29/2018 12:56 PM</a:t>
+              <a:t>4/20/2021 12:20 PM</a:t>
             </a:fld>
             <a:endParaRPr lang="en-US" dirty="0"/>
           </a:p>
@@ -2896,7 +2896,7 @@
           <a:p>
             <a:fld id="{174E4CE6-2FE4-433F-87B8-CB5DD266EBFC}" type="datetime8">
               <a:rPr lang="en-US" smtClean="0"/>
-              <a:t>6/29/2018 12:56 PM</a:t>
+              <a:t>4/20/2021 12:20 PM</a:t>
             </a:fld>
             <a:endParaRPr lang="en-US" dirty="0"/>
           </a:p>
@@ -3095,7 +3095,7 @@
                   <a:prstClr val="black"/>
                 </a:solidFill>
               </a:rPr>
-              <a:t>6/29/2018 12:56 PM</a:t>
+              <a:t>4/20/2021 12:20 PM</a:t>
             </a:fld>
             <a:endParaRPr lang="en-US" dirty="0">
               <a:solidFill>
@@ -4047,7 +4047,7 @@
       </p:transition>
     </mc:Fallback>
   </mc:AlternateContent>
-  <p:extLst mod="1">
+  <p:extLst>
     <p:ext uri="{DCECCB84-F9BA-43D5-87BE-67443E8EF086}">
       <p15:sldGuideLst xmlns:p15="http://schemas.microsoft.com/office/powerpoint/2012/main">
         <p15:guide id="1" pos="288">
@@ -15375,7 +15375,7 @@
       </a:lvl9pPr>
     </p:otherStyle>
   </p:txStyles>
-  <p:extLst mod="1">
+  <p:extLst>
     <p:ext uri="{27BBF7A9-308A-43DC-89C8-2F10F3537804}">
       <p15:sldGuideLst xmlns:p15="http://schemas.microsoft.com/office/powerpoint/2012/main">
         <p15:guide id="1" orient="horz" pos="187">
@@ -15990,7 +15990,7 @@
       </a:lvl9pPr>
     </p:otherStyle>
   </p:txStyles>
-  <p:extLst mod="1">
+  <p:extLst>
     <p:ext uri="{27BBF7A9-308A-43DC-89C8-2F10F3537804}">
       <p15:sldGuideLst xmlns:p15="http://schemas.microsoft.com/office/powerpoint/2012/main">
         <p15:guide id="1" orient="horz" pos="187">
@@ -16182,7 +16182,7 @@
           <a:p>
             <a:r>
               <a:rPr lang="en-US" dirty="0"/>
-              <a:t>Workshop title</a:t>
+              <a:t>Leveraging Azure Digital Twins in a supply chain</a:t>
             </a:r>
           </a:p>
         </p:txBody>
@@ -21143,7 +21143,6 @@
               <a:headEnd/>
               <a:tailEnd/>
             </a:ln>
-            <a:extLst/>
           </p:spPr>
           <p:txBody>
             <a:bodyPr vert="horz" wrap="square" lIns="89642" tIns="44821" rIns="89642" bIns="44821" numCol="1" anchor="t" anchorCtr="0" compatLnSpc="1">
@@ -26635,8 +26634,8 @@
         </p:nvSpPr>
         <p:spPr>
           <a:xfrm>
-            <a:off x="340285" y="1741246"/>
-            <a:ext cx="7247965" cy="1612749"/>
+            <a:off x="380856" y="1470790"/>
+            <a:ext cx="11506344" cy="4105739"/>
           </a:xfrm>
           <a:prstGeom prst="rect">
             <a:avLst/>
@@ -26658,27 +26657,8 @@
               </a:spcAft>
             </a:pPr>
             <a:r>
-              <a:rPr lang="en-US" sz="3600" dirty="0">
-                <a:latin typeface="+mj-lt"/>
-              </a:rPr>
-              <a:t>Abstract and learning objectives</a:t>
-            </a:r>
-          </a:p>
-          <a:p>
-            <a:pPr>
-              <a:lnSpc>
-                <a:spcPct val="90000"/>
-              </a:lnSpc>
-              <a:spcAft>
-                <a:spcPts val="600"/>
-              </a:spcAft>
-            </a:pPr>
-            <a:r>
-              <a:rPr lang="en-US" sz="2400" dirty="0">
-                <a:latin typeface="Segoe UI Semilight" panose="020B0402040204020203" pitchFamily="34" charset="0"/>
-                <a:cs typeface="Segoe UI Semilight" panose="020B0402040204020203" pitchFamily="34" charset="0"/>
-              </a:rPr>
-              <a:t>Text here</a:t>
+              <a:rPr lang="en-US" sz="2400" dirty="0"/>
+              <a:t>In this whiteboard design session, you will work in a group to evaluate Contoso's goals and design an IoT-based supply chain solution that uses the optimal combination of Azure tools and services that will fulfill their needs. You will also model their physical and logical environment to identify elements along with their properties and define the relationships between them. You will guide Contoso on deploying these models to Azure Digital Twins, how to leverage them and keep them up-to-date.</a:t>
             </a:r>
           </a:p>
           <a:p>
@@ -26691,6 +26671,20 @@
               </a:spcAft>
             </a:pPr>
             <a:endParaRPr lang="en-US" sz="2400" dirty="0"/>
+          </a:p>
+          <a:p>
+            <a:pPr>
+              <a:lnSpc>
+                <a:spcPct val="90000"/>
+              </a:lnSpc>
+              <a:spcAft>
+                <a:spcPts val="600"/>
+              </a:spcAft>
+            </a:pPr>
+            <a:r>
+              <a:rPr lang="en-US" sz="2400" dirty="0"/>
+              <a:t>At the end of this whiteboard design session, you will be better able to design an end-to-end Azure IoT supply chain solution from telemetry ingestion to data insights, all while leveraging Azure Digital Twins.</a:t>
+            </a:r>
           </a:p>
         </p:txBody>
       </p:sp>
@@ -29053,15 +29047,6 @@
 </file>
 
 <file path=customXml/item1.xml><?xml version="1.0" encoding="utf-8"?>
-<p:properties xmlns:p="http://schemas.microsoft.com/office/2006/metadata/properties" xmlns:xsi="http://www.w3.org/2001/XMLSchema-instance" xmlns:pc="http://schemas.microsoft.com/office/infopath/2007/PartnerControls">
-  <documentManagement>
-    <_ip_UnifiedCompliancePolicyUIAction xmlns="http://schemas.microsoft.com/sharepoint/v3" xsi:nil="true"/>
-    <_ip_UnifiedCompliancePolicyProperties xmlns="http://schemas.microsoft.com/sharepoint/v3" xsi:nil="true"/>
-  </documentManagement>
-</p:properties>
-</file>
-
-<file path=customXml/item2.xml><?xml version="1.0" encoding="utf-8"?>
 <ct:contentTypeSchema xmlns:ct="http://schemas.microsoft.com/office/2006/metadata/contentType" xmlns:ma="http://schemas.microsoft.com/office/2006/metadata/properties/metaAttributes" ct:_="" ma:_="" ma:contentTypeName="Document" ma:contentTypeID="0x010100D15DFA3690A15B4081582BBCC6BEAC3E" ma:contentTypeVersion="9" ma:contentTypeDescription="Create a new document." ma:contentTypeScope="" ma:versionID="642da1784587cbe85a7fdbbe4dc36103">
   <xsd:schema xmlns:xsd="http://www.w3.org/2001/XMLSchema" xmlns:xs="http://www.w3.org/2001/XMLSchema" xmlns:p="http://schemas.microsoft.com/office/2006/metadata/properties" xmlns:ns1="http://schemas.microsoft.com/sharepoint/v3" xmlns:ns2="2023ac63-7b75-4916-a9ee-591457758eee" xmlns:ns3="d9c797ad-d7c3-4982-82b7-81352a75e4a5" targetNamespace="http://schemas.microsoft.com/office/2006/metadata/properties" ma:root="true" ma:fieldsID="91198b0246576053cc55dd2c67035a89" ns1:_="" ns2:_="" ns3:_="">
     <xsd:import namespace="http://schemas.microsoft.com/sharepoint/v3"/>
@@ -29263,6 +29248,15 @@
 </ct:contentTypeSchema>
 </file>
 
+<file path=customXml/item2.xml><?xml version="1.0" encoding="utf-8"?>
+<p:properties xmlns:p="http://schemas.microsoft.com/office/2006/metadata/properties" xmlns:xsi="http://www.w3.org/2001/XMLSchema-instance" xmlns:pc="http://schemas.microsoft.com/office/infopath/2007/PartnerControls">
+  <documentManagement>
+    <_ip_UnifiedCompliancePolicyUIAction xmlns="http://schemas.microsoft.com/sharepoint/v3" xsi:nil="true"/>
+    <_ip_UnifiedCompliancePolicyProperties xmlns="http://schemas.microsoft.com/sharepoint/v3" xsi:nil="true"/>
+  </documentManagement>
+</p:properties>
+</file>
+
 <file path=customXml/item3.xml><?xml version="1.0" encoding="utf-8"?>
 <?mso-contentType ?>
 <FormTemplates xmlns="http://schemas.microsoft.com/sharepoint/v3/contenttype/forms">
@@ -29273,24 +29267,6 @@
 </file>
 
 <file path=customXml/itemProps1.xml><?xml version="1.0" encoding="utf-8"?>
-<ds:datastoreItem xmlns:ds="http://schemas.openxmlformats.org/officeDocument/2006/customXml" ds:itemID="{BAF7D529-36AB-45DA-B239-2F912F2D1610}">
-  <ds:schemaRefs>
-    <ds:schemaRef ds:uri="http://purl.org/dc/elements/1.1/"/>
-    <ds:schemaRef ds:uri="http://schemas.microsoft.com/office/2006/metadata/properties"/>
-    <ds:schemaRef ds:uri="http://purl.org/dc/terms/"/>
-    <ds:schemaRef ds:uri="http://schemas.microsoft.com/office/infopath/2007/PartnerControls"/>
-    <ds:schemaRef ds:uri="http://purl.org/dc/dcmitype/"/>
-    <ds:schemaRef ds:uri="http://schemas.openxmlformats.org/package/2006/metadata/core-properties"/>
-    <ds:schemaRef ds:uri="http://schemas.microsoft.com/office/2006/documentManagement/types"/>
-    <ds:schemaRef ds:uri="d9c797ad-d7c3-4982-82b7-81352a75e4a5"/>
-    <ds:schemaRef ds:uri="2023ac63-7b75-4916-a9ee-591457758eee"/>
-    <ds:schemaRef ds:uri="http://schemas.microsoft.com/sharepoint/v3"/>
-    <ds:schemaRef ds:uri="http://www.w3.org/XML/1998/namespace"/>
-  </ds:schemaRefs>
-</ds:datastoreItem>
-</file>
-
-<file path=customXml/itemProps2.xml><?xml version="1.0" encoding="utf-8"?>
 <ds:datastoreItem xmlns:ds="http://schemas.openxmlformats.org/officeDocument/2006/customXml" ds:itemID="{255F5BEB-6AD6-480A-8556-C80C5EBC10F2}">
   <ds:schemaRefs>
     <ds:schemaRef ds:uri="http://schemas.microsoft.com/office/2006/metadata/contentType"/>
@@ -29310,6 +29286,24 @@
 </ds:datastoreItem>
 </file>
 
+<file path=customXml/itemProps2.xml><?xml version="1.0" encoding="utf-8"?>
+<ds:datastoreItem xmlns:ds="http://schemas.openxmlformats.org/officeDocument/2006/customXml" ds:itemID="{BAF7D529-36AB-45DA-B239-2F912F2D1610}">
+  <ds:schemaRefs>
+    <ds:schemaRef ds:uri="http://purl.org/dc/elements/1.1/"/>
+    <ds:schemaRef ds:uri="http://schemas.microsoft.com/office/2006/metadata/properties"/>
+    <ds:schemaRef ds:uri="http://purl.org/dc/terms/"/>
+    <ds:schemaRef ds:uri="http://schemas.microsoft.com/office/infopath/2007/PartnerControls"/>
+    <ds:schemaRef ds:uri="http://purl.org/dc/dcmitype/"/>
+    <ds:schemaRef ds:uri="http://schemas.openxmlformats.org/package/2006/metadata/core-properties"/>
+    <ds:schemaRef ds:uri="http://schemas.microsoft.com/office/2006/documentManagement/types"/>
+    <ds:schemaRef ds:uri="d9c797ad-d7c3-4982-82b7-81352a75e4a5"/>
+    <ds:schemaRef ds:uri="2023ac63-7b75-4916-a9ee-591457758eee"/>
+    <ds:schemaRef ds:uri="http://schemas.microsoft.com/sharepoint/v3"/>
+    <ds:schemaRef ds:uri="http://www.w3.org/XML/1998/namespace"/>
+  </ds:schemaRefs>
+</ds:datastoreItem>
+</file>
+
 <file path=customXml/itemProps3.xml><?xml version="1.0" encoding="utf-8"?>
 <ds:datastoreItem xmlns:ds="http://schemas.openxmlformats.org/officeDocument/2006/customXml" ds:itemID="{F18501AF-04CF-4482-BAE1-607B49DDC378}">
   <ds:schemaRefs>

--- a/Whiteboard design session/WDS trainer presentation - Leveraging Azure Digital Twins in a supply chain.pptx
+++ b/Whiteboard design session/WDS trainer presentation - Leveraging Azure Digital Twins in a supply chain.pptx
@@ -6,7 +6,7 @@
     <p:sldMasterId id="2147483665" r:id="rId5"/>
   </p:sldMasterIdLst>
   <p:notesMasterIdLst>
-    <p:notesMasterId r:id="rId34"/>
+    <p:notesMasterId r:id="rId40"/>
   </p:notesMasterIdLst>
   <p:sldIdLst>
     <p:sldId id="300" r:id="rId6"/>
@@ -17,26 +17,32 @@
     <p:sldId id="304" r:id="rId11"/>
     <p:sldId id="305" r:id="rId12"/>
     <p:sldId id="320" r:id="rId13"/>
-    <p:sldId id="322" r:id="rId14"/>
-    <p:sldId id="321" r:id="rId15"/>
-    <p:sldId id="317" r:id="rId16"/>
-    <p:sldId id="316" r:id="rId17"/>
-    <p:sldId id="324" r:id="rId18"/>
-    <p:sldId id="325" r:id="rId19"/>
-    <p:sldId id="326" r:id="rId20"/>
-    <p:sldId id="327" r:id="rId21"/>
-    <p:sldId id="328" r:id="rId22"/>
-    <p:sldId id="329" r:id="rId23"/>
-    <p:sldId id="330" r:id="rId24"/>
-    <p:sldId id="331" r:id="rId25"/>
-    <p:sldId id="332" r:id="rId26"/>
-    <p:sldId id="333" r:id="rId27"/>
-    <p:sldId id="334" r:id="rId28"/>
-    <p:sldId id="319" r:id="rId29"/>
-    <p:sldId id="335" r:id="rId30"/>
-    <p:sldId id="336" r:id="rId31"/>
-    <p:sldId id="318" r:id="rId32"/>
-    <p:sldId id="315" r:id="rId33"/>
+    <p:sldId id="337" r:id="rId14"/>
+    <p:sldId id="338" r:id="rId15"/>
+    <p:sldId id="339" r:id="rId16"/>
+    <p:sldId id="340" r:id="rId17"/>
+    <p:sldId id="341" r:id="rId18"/>
+    <p:sldId id="342" r:id="rId19"/>
+    <p:sldId id="322" r:id="rId20"/>
+    <p:sldId id="321" r:id="rId21"/>
+    <p:sldId id="317" r:id="rId22"/>
+    <p:sldId id="316" r:id="rId23"/>
+    <p:sldId id="324" r:id="rId24"/>
+    <p:sldId id="325" r:id="rId25"/>
+    <p:sldId id="326" r:id="rId26"/>
+    <p:sldId id="327" r:id="rId27"/>
+    <p:sldId id="328" r:id="rId28"/>
+    <p:sldId id="329" r:id="rId29"/>
+    <p:sldId id="330" r:id="rId30"/>
+    <p:sldId id="331" r:id="rId31"/>
+    <p:sldId id="332" r:id="rId32"/>
+    <p:sldId id="333" r:id="rId33"/>
+    <p:sldId id="334" r:id="rId34"/>
+    <p:sldId id="319" r:id="rId35"/>
+    <p:sldId id="335" r:id="rId36"/>
+    <p:sldId id="336" r:id="rId37"/>
+    <p:sldId id="318" r:id="rId38"/>
+    <p:sldId id="315" r:id="rId39"/>
   </p:sldIdLst>
   <p:sldSz cx="12192000" cy="6858000"/>
   <p:notesSz cx="6858000" cy="9144000"/>
@@ -234,7 +240,7 @@
           <a:p>
             <a:fld id="{52A13B17-C506-4D51-BB37-16B365906619}" type="datetimeFigureOut">
               <a:rPr lang="en-US" smtClean="0"/>
-              <a:t>5/3/2021</a:t>
+              <a:t>5/7/2021</a:t>
             </a:fld>
             <a:endParaRPr lang="en-US"/>
           </a:p>
@@ -710,7 +716,7 @@
           <a:p>
             <a:fld id="{0998D5BB-B127-481F-BC0A-2F77C576BB34}" type="slidenum">
               <a:rPr lang="en-US" smtClean="0"/>
-              <a:t>10</a:t>
+              <a:t>16</a:t>
             </a:fld>
             <a:endParaRPr lang="en-US"/>
           </a:p>
@@ -794,7 +800,7 @@
           <a:p>
             <a:fld id="{0998D5BB-B127-481F-BC0A-2F77C576BB34}" type="slidenum">
               <a:rPr lang="en-US" smtClean="0"/>
-              <a:t>11</a:t>
+              <a:t>17</a:t>
             </a:fld>
             <a:endParaRPr lang="en-US"/>
           </a:p>
@@ -857,7 +863,23 @@
           <a:bodyPr/>
           <a:lstStyle/>
           <a:p>
-            <a:pPr algn="l"/>
+            <a:pPr marL="0" marR="0" lvl="0" indent="0" algn="l" defTabSz="914400" rtl="0" eaLnBrk="1" fontAlgn="auto" latinLnBrk="0" hangingPunct="1">
+              <a:lnSpc>
+                <a:spcPct val="100000"/>
+              </a:lnSpc>
+              <a:spcBef>
+                <a:spcPts val="0"/>
+              </a:spcBef>
+              <a:spcAft>
+                <a:spcPts val="0"/>
+              </a:spcAft>
+              <a:buClrTx/>
+              <a:buSzTx/>
+              <a:buFontTx/>
+              <a:buNone/>
+              <a:tabLst/>
+              <a:defRPr/>
+            </a:pPr>
             <a:r>
               <a:rPr lang="en-US" b="0" i="0" dirty="0">
                 <a:solidFill>
@@ -906,8 +928,28 @@
                 <a:effectLst/>
                 <a:latin typeface="-apple-system"/>
               </a:rPr>
-              <a:t> hub to receive telemetry information. A secondary route is established between the Azure Digital Twins service and an Event Hub intermediary to provide data into Time Series Insights via a third Azure Function.</a:t>
-            </a:r>
+              <a:t> hub to receive telemetry information. A secondary route is established between the Azure Digital Twins service and an Event Hub intermediary to provide data into Time Series Insights via a third Azure Function. </a:t>
+            </a:r>
+            <a:r>
+              <a:rPr lang="en-US" b="0" dirty="0">
+                <a:solidFill>
+                  <a:srgbClr val="D4D4D4"/>
+                </a:solidFill>
+                <a:effectLst/>
+                <a:latin typeface="Consolas" panose="020B0609020204030204" pitchFamily="49" charset="0"/>
+              </a:rPr>
+              <a:t>A logic app is used to trigger digital twin updates for shipment progress.</a:t>
+            </a:r>
+          </a:p>
+          <a:p>
+            <a:pPr algn="l"/>
+            <a:endParaRPr lang="en-US" b="0" i="0" dirty="0">
+              <a:solidFill>
+                <a:srgbClr val="24292E"/>
+              </a:solidFill>
+              <a:effectLst/>
+              <a:latin typeface="-apple-system"/>
+            </a:endParaRPr>
           </a:p>
           <a:p>
             <a:br>
@@ -934,7 +976,7 @@
           <a:p>
             <a:fld id="{0998D5BB-B127-481F-BC0A-2F77C576BB34}" type="slidenum">
               <a:rPr lang="en-US" smtClean="0"/>
-              <a:t>12</a:t>
+              <a:t>18</a:t>
             </a:fld>
             <a:endParaRPr lang="en-US"/>
           </a:p>
@@ -1129,7 +1171,7 @@
           <a:p>
             <a:fld id="{0998D5BB-B127-481F-BC0A-2F77C576BB34}" type="slidenum">
               <a:rPr lang="en-US" smtClean="0"/>
-              <a:t>13</a:t>
+              <a:t>19</a:t>
             </a:fld>
             <a:endParaRPr lang="en-US"/>
           </a:p>
@@ -1460,7 +1502,7 @@
           <a:p>
             <a:fld id="{0998D5BB-B127-481F-BC0A-2F77C576BB34}" type="slidenum">
               <a:rPr lang="en-US" smtClean="0"/>
-              <a:t>14</a:t>
+              <a:t>20</a:t>
             </a:fld>
             <a:endParaRPr lang="en-US"/>
           </a:p>
@@ -1824,7 +1866,7 @@
           <a:p>
             <a:fld id="{0998D5BB-B127-481F-BC0A-2F77C576BB34}" type="slidenum">
               <a:rPr lang="en-US" smtClean="0"/>
-              <a:t>15</a:t>
+              <a:t>21</a:t>
             </a:fld>
             <a:endParaRPr lang="en-US"/>
           </a:p>
@@ -1951,7 +1993,7 @@
           <a:p>
             <a:fld id="{0998D5BB-B127-481F-BC0A-2F77C576BB34}" type="slidenum">
               <a:rPr lang="en-US" smtClean="0"/>
-              <a:t>16</a:t>
+              <a:t>22</a:t>
             </a:fld>
             <a:endParaRPr lang="en-US"/>
           </a:p>
@@ -2073,7 +2115,7 @@
           <a:p>
             <a:fld id="{0998D5BB-B127-481F-BC0A-2F77C576BB34}" type="slidenum">
               <a:rPr lang="en-US" smtClean="0"/>
-              <a:t>17</a:t>
+              <a:t>23</a:t>
             </a:fld>
             <a:endParaRPr lang="en-US"/>
           </a:p>
@@ -2167,7 +2209,7 @@
           <a:p>
             <a:fld id="{0998D5BB-B127-481F-BC0A-2F77C576BB34}" type="slidenum">
               <a:rPr lang="en-US" smtClean="0"/>
-              <a:t>18</a:t>
+              <a:t>24</a:t>
             </a:fld>
             <a:endParaRPr lang="en-US"/>
           </a:p>
@@ -2261,7 +2303,7 @@
           <a:p>
             <a:fld id="{0998D5BB-B127-481F-BC0A-2F77C576BB34}" type="slidenum">
               <a:rPr lang="en-US" smtClean="0"/>
-              <a:t>19</a:t>
+              <a:t>25</a:t>
             </a:fld>
             <a:endParaRPr lang="en-US"/>
           </a:p>
@@ -2473,7 +2515,7 @@
           <a:p>
             <a:fld id="{0998D5BB-B127-481F-BC0A-2F77C576BB34}" type="slidenum">
               <a:rPr lang="en-US" smtClean="0"/>
-              <a:t>20</a:t>
+              <a:t>26</a:t>
             </a:fld>
             <a:endParaRPr lang="en-US"/>
           </a:p>
@@ -2582,7 +2624,7 @@
           <a:p>
             <a:fld id="{0998D5BB-B127-481F-BC0A-2F77C576BB34}" type="slidenum">
               <a:rPr lang="en-US" smtClean="0"/>
-              <a:t>21</a:t>
+              <a:t>27</a:t>
             </a:fld>
             <a:endParaRPr lang="en-US"/>
           </a:p>
@@ -2735,7 +2777,7 @@
           <a:p>
             <a:fld id="{0998D5BB-B127-481F-BC0A-2F77C576BB34}" type="slidenum">
               <a:rPr lang="en-US" smtClean="0"/>
-              <a:t>22</a:t>
+              <a:t>28</a:t>
             </a:fld>
             <a:endParaRPr lang="en-US"/>
           </a:p>
@@ -2829,7 +2871,7 @@
           <a:p>
             <a:fld id="{0998D5BB-B127-481F-BC0A-2F77C576BB34}" type="slidenum">
               <a:rPr lang="en-US" smtClean="0"/>
-              <a:t>23</a:t>
+              <a:t>29</a:t>
             </a:fld>
             <a:endParaRPr lang="en-US"/>
           </a:p>
@@ -2970,7 +3012,7 @@
           <a:p>
             <a:fld id="{0998D5BB-B127-481F-BC0A-2F77C576BB34}" type="slidenum">
               <a:rPr lang="en-US" smtClean="0"/>
-              <a:t>24</a:t>
+              <a:t>30</a:t>
             </a:fld>
             <a:endParaRPr lang="en-US"/>
           </a:p>
@@ -3119,7 +3161,7 @@
           <a:p>
             <a:fld id="{0998D5BB-B127-481F-BC0A-2F77C576BB34}" type="slidenum">
               <a:rPr lang="en-US" smtClean="0"/>
-              <a:t>25</a:t>
+              <a:t>31</a:t>
             </a:fld>
             <a:endParaRPr lang="en-US"/>
           </a:p>
@@ -3277,7 +3319,7 @@
           <a:p>
             <a:fld id="{0998D5BB-B127-481F-BC0A-2F77C576BB34}" type="slidenum">
               <a:rPr lang="en-US" smtClean="0"/>
-              <a:t>26</a:t>
+              <a:t>32</a:t>
             </a:fld>
             <a:endParaRPr lang="en-US"/>
           </a:p>
@@ -3361,7 +3403,7 @@
           <a:p>
             <a:fld id="{0998D5BB-B127-481F-BC0A-2F77C576BB34}" type="slidenum">
               <a:rPr lang="en-US" smtClean="0"/>
-              <a:t>27</a:t>
+              <a:t>33</a:t>
             </a:fld>
             <a:endParaRPr lang="en-US"/>
           </a:p>
@@ -3487,7 +3529,7 @@
                   <a:prstClr val="black"/>
                 </a:solidFill>
               </a:rPr>
-              <a:t>5/3/2021 5:13 PM</a:t>
+              <a:t>5/7/2021 1:04 PM</a:t>
             </a:fld>
             <a:endParaRPr lang="en-US" dirty="0">
               <a:solidFill>
@@ -3519,7 +3561,7 @@
                 </a:solidFill>
               </a:rPr>
               <a:pPr/>
-              <a:t>28</a:t>
+              <a:t>34</a:t>
             </a:fld>
             <a:endParaRPr lang="en-US" dirty="0">
               <a:solidFill>
@@ -4294,7 +4336,7 @@
           <a:p>
             <a:fld id="{0998D5BB-B127-481F-BC0A-2F77C576BB34}" type="slidenum">
               <a:rPr lang="en-US" smtClean="0"/>
-              <a:t>9</a:t>
+              <a:t>15</a:t>
             </a:fld>
             <a:endParaRPr lang="en-US"/>
           </a:p>
@@ -16460,6 +16502,876 @@
       </p:grpSpPr>
       <p:sp>
         <p:nvSpPr>
+          <p:cNvPr id="3" name="Title 2">
+            <a:extLst>
+              <a:ext uri="{FF2B5EF4-FFF2-40B4-BE49-F238E27FC236}">
+                <a16:creationId xmlns:a16="http://schemas.microsoft.com/office/drawing/2014/main" id="{8DA8EA36-1040-4DCD-AC54-D7864C56D8BA}"/>
+              </a:ext>
+            </a:extLst>
+          </p:cNvPr>
+          <p:cNvSpPr>
+            <a:spLocks noGrp="1"/>
+          </p:cNvSpPr>
+          <p:nvPr>
+            <p:ph type="title"/>
+          </p:nvPr>
+        </p:nvSpPr>
+        <p:spPr/>
+        <p:txBody>
+          <a:bodyPr/>
+          <a:lstStyle/>
+          <a:p>
+            <a:r>
+              <a:rPr lang="en-US" dirty="0"/>
+              <a:t>Environment Modeling</a:t>
+            </a:r>
+          </a:p>
+        </p:txBody>
+      </p:sp>
+      <p:sp>
+        <p:nvSpPr>
+          <p:cNvPr id="2" name="Text Placeholder 1">
+            <a:extLst>
+              <a:ext uri="{FF2B5EF4-FFF2-40B4-BE49-F238E27FC236}">
+                <a16:creationId xmlns:a16="http://schemas.microsoft.com/office/drawing/2014/main" id="{BCE9A758-E9EA-406E-A0CA-B97910BE7D0E}"/>
+              </a:ext>
+            </a:extLst>
+          </p:cNvPr>
+          <p:cNvSpPr>
+            <a:spLocks noGrp="1"/>
+          </p:cNvSpPr>
+          <p:nvPr>
+            <p:ph type="body" sz="quarter" idx="10"/>
+          </p:nvPr>
+        </p:nvSpPr>
+        <p:spPr>
+          <a:xfrm>
+            <a:off x="269239" y="1189177"/>
+            <a:ext cx="11653523" cy="4967514"/>
+          </a:xfrm>
+        </p:spPr>
+        <p:txBody>
+          <a:bodyPr/>
+          <a:lstStyle/>
+          <a:p>
+            <a:pPr marL="0" indent="0">
+              <a:buNone/>
+            </a:pPr>
+            <a:r>
+              <a:rPr lang="en-US" sz="2800" dirty="0"/>
+              <a:t>1. As a starting point, how do you recommend Contoso Apparel approach modeling entities in their environment?</a:t>
+            </a:r>
+          </a:p>
+          <a:p>
+            <a:endParaRPr lang="en-US" sz="2800" dirty="0"/>
+          </a:p>
+          <a:p>
+            <a:pPr marL="0" indent="0">
+              <a:buNone/>
+            </a:pPr>
+            <a:r>
+              <a:rPr lang="en-US" sz="2800" dirty="0"/>
+              <a:t>2. At a high level, what types of information should be encapsulated within an entity definition?</a:t>
+            </a:r>
+          </a:p>
+          <a:p>
+            <a:endParaRPr lang="en-US" sz="2800" dirty="0"/>
+          </a:p>
+          <a:p>
+            <a:pPr marL="0" indent="0">
+              <a:buNone/>
+            </a:pPr>
+            <a:r>
+              <a:rPr lang="en-US" sz="2800" dirty="0"/>
+              <a:t>3. What methods are available for Contoso to add these entities to their environment knowledge graph?</a:t>
+            </a:r>
+          </a:p>
+          <a:p>
+            <a:endParaRPr lang="en-US" sz="2800" dirty="0"/>
+          </a:p>
+          <a:p>
+            <a:pPr marL="0" indent="0">
+              <a:buNone/>
+            </a:pPr>
+            <a:r>
+              <a:rPr lang="en-US" sz="2800" dirty="0"/>
+              <a:t>4. How would Contoso query and visualize the knowledge graph representation of their environment model?</a:t>
+            </a:r>
+          </a:p>
+        </p:txBody>
+      </p:sp>
+    </p:spTree>
+    <p:extLst>
+      <p:ext uri="{BB962C8B-B14F-4D97-AF65-F5344CB8AC3E}">
+        <p14:creationId xmlns:p14="http://schemas.microsoft.com/office/powerpoint/2010/main" val="2434784399"/>
+      </p:ext>
+    </p:extLst>
+  </p:cSld>
+  <p:clrMapOvr>
+    <a:masterClrMapping/>
+  </p:clrMapOvr>
+  <p:transition>
+    <p:fade/>
+  </p:transition>
+</p:sld>
+</file>
+
+<file path=ppt/slides/slide11.xml><?xml version="1.0" encoding="utf-8"?>
+<p:sld xmlns:a="http://schemas.openxmlformats.org/drawingml/2006/main" xmlns:r="http://schemas.openxmlformats.org/officeDocument/2006/relationships" xmlns:p="http://schemas.openxmlformats.org/presentationml/2006/main">
+  <p:cSld>
+    <p:spTree>
+      <p:nvGrpSpPr>
+        <p:cNvPr id="1" name=""/>
+        <p:cNvGrpSpPr/>
+        <p:nvPr/>
+      </p:nvGrpSpPr>
+      <p:grpSpPr>
+        <a:xfrm>
+          <a:off x="0" y="0"/>
+          <a:ext cx="0" cy="0"/>
+          <a:chOff x="0" y="0"/>
+          <a:chExt cx="0" cy="0"/>
+        </a:xfrm>
+      </p:grpSpPr>
+      <p:sp>
+        <p:nvSpPr>
+          <p:cNvPr id="3" name="Title 2">
+            <a:extLst>
+              <a:ext uri="{FF2B5EF4-FFF2-40B4-BE49-F238E27FC236}">
+                <a16:creationId xmlns:a16="http://schemas.microsoft.com/office/drawing/2014/main" id="{E3D9A6B3-8876-48E9-A21B-9C29B1E16190}"/>
+              </a:ext>
+            </a:extLst>
+          </p:cNvPr>
+          <p:cNvSpPr>
+            <a:spLocks noGrp="1"/>
+          </p:cNvSpPr>
+          <p:nvPr>
+            <p:ph type="title"/>
+          </p:nvPr>
+        </p:nvSpPr>
+        <p:spPr/>
+        <p:txBody>
+          <a:bodyPr/>
+          <a:lstStyle/>
+          <a:p>
+            <a:r>
+              <a:rPr lang="en-US" dirty="0"/>
+              <a:t>Data ingestion and monitoring</a:t>
+            </a:r>
+          </a:p>
+        </p:txBody>
+      </p:sp>
+      <p:sp>
+        <p:nvSpPr>
+          <p:cNvPr id="2" name="Text Placeholder 1">
+            <a:extLst>
+              <a:ext uri="{FF2B5EF4-FFF2-40B4-BE49-F238E27FC236}">
+                <a16:creationId xmlns:a16="http://schemas.microsoft.com/office/drawing/2014/main" id="{ADCAA005-B3EA-406D-A956-505FDA06C0AB}"/>
+              </a:ext>
+            </a:extLst>
+          </p:cNvPr>
+          <p:cNvSpPr>
+            <a:spLocks noGrp="1"/>
+          </p:cNvSpPr>
+          <p:nvPr>
+            <p:ph type="body" sz="quarter" idx="10"/>
+          </p:nvPr>
+        </p:nvSpPr>
+        <p:spPr>
+          <a:xfrm>
+            <a:off x="269239" y="1189177"/>
+            <a:ext cx="11653523" cy="4579715"/>
+          </a:xfrm>
+        </p:spPr>
+        <p:txBody>
+          <a:bodyPr/>
+          <a:lstStyle/>
+          <a:p>
+            <a:pPr marL="0" indent="0">
+              <a:buNone/>
+            </a:pPr>
+            <a:r>
+              <a:rPr lang="en-US" sz="2800" dirty="0"/>
+              <a:t>1. Which Azure service(s) should Contoso use to register and authenticate their IoT devices?</a:t>
+            </a:r>
+          </a:p>
+          <a:p>
+            <a:pPr marL="0" indent="0">
+              <a:buNone/>
+            </a:pPr>
+            <a:endParaRPr lang="en-US" sz="2800" dirty="0"/>
+          </a:p>
+          <a:p>
+            <a:pPr marL="0" indent="0">
+              <a:buNone/>
+            </a:pPr>
+            <a:r>
+              <a:rPr lang="en-US" sz="2800" dirty="0"/>
+              <a:t>2. How should the IoT telemetry data be ingested into Azure?</a:t>
+            </a:r>
+          </a:p>
+          <a:p>
+            <a:pPr marL="0" indent="0">
+              <a:buNone/>
+            </a:pPr>
+            <a:endParaRPr lang="en-US" sz="2800" dirty="0"/>
+          </a:p>
+          <a:p>
+            <a:pPr marL="0" indent="0">
+              <a:buNone/>
+            </a:pPr>
+            <a:r>
+              <a:rPr lang="en-US" sz="2800" dirty="0"/>
+              <a:t>3. How would Contoso Apparel monitor for humidity anomalies in near real-time?</a:t>
+            </a:r>
+          </a:p>
+          <a:p>
+            <a:pPr marL="0" indent="0">
+              <a:buNone/>
+            </a:pPr>
+            <a:endParaRPr lang="en-US" sz="2800" dirty="0"/>
+          </a:p>
+          <a:p>
+            <a:pPr marL="0" indent="0">
+              <a:buNone/>
+            </a:pPr>
+            <a:r>
+              <a:rPr lang="en-US" sz="2800" dirty="0"/>
+              <a:t>4. Which Azure service(s) would you recommend so that Contoso Apparel can receive the humidity anomaly notification?</a:t>
+            </a:r>
+          </a:p>
+        </p:txBody>
+      </p:sp>
+    </p:spTree>
+    <p:extLst>
+      <p:ext uri="{BB962C8B-B14F-4D97-AF65-F5344CB8AC3E}">
+        <p14:creationId xmlns:p14="http://schemas.microsoft.com/office/powerpoint/2010/main" val="916707246"/>
+      </p:ext>
+    </p:extLst>
+  </p:cSld>
+  <p:clrMapOvr>
+    <a:masterClrMapping/>
+  </p:clrMapOvr>
+  <p:transition>
+    <p:fade/>
+  </p:transition>
+</p:sld>
+</file>
+
+<file path=ppt/slides/slide12.xml><?xml version="1.0" encoding="utf-8"?>
+<p:sld xmlns:a="http://schemas.openxmlformats.org/drawingml/2006/main" xmlns:r="http://schemas.openxmlformats.org/officeDocument/2006/relationships" xmlns:p="http://schemas.openxmlformats.org/presentationml/2006/main">
+  <p:cSld>
+    <p:spTree>
+      <p:nvGrpSpPr>
+        <p:cNvPr id="1" name=""/>
+        <p:cNvGrpSpPr/>
+        <p:nvPr/>
+      </p:nvGrpSpPr>
+      <p:grpSpPr>
+        <a:xfrm>
+          <a:off x="0" y="0"/>
+          <a:ext cx="0" cy="0"/>
+          <a:chOff x="0" y="0"/>
+          <a:chExt cx="0" cy="0"/>
+        </a:xfrm>
+      </p:grpSpPr>
+      <p:sp>
+        <p:nvSpPr>
+          <p:cNvPr id="3" name="Title 2">
+            <a:extLst>
+              <a:ext uri="{FF2B5EF4-FFF2-40B4-BE49-F238E27FC236}">
+                <a16:creationId xmlns:a16="http://schemas.microsoft.com/office/drawing/2014/main" id="{093566F2-FDF5-41F0-B426-1F6DBB7B5A97}"/>
+              </a:ext>
+            </a:extLst>
+          </p:cNvPr>
+          <p:cNvSpPr>
+            <a:spLocks noGrp="1"/>
+          </p:cNvSpPr>
+          <p:nvPr>
+            <p:ph type="title"/>
+          </p:nvPr>
+        </p:nvSpPr>
+        <p:spPr/>
+        <p:txBody>
+          <a:bodyPr/>
+          <a:lstStyle/>
+          <a:p>
+            <a:r>
+              <a:rPr lang="en-US" dirty="0"/>
+              <a:t>Model updates</a:t>
+            </a:r>
+          </a:p>
+        </p:txBody>
+      </p:sp>
+      <p:sp>
+        <p:nvSpPr>
+          <p:cNvPr id="2" name="Text Placeholder 1">
+            <a:extLst>
+              <a:ext uri="{FF2B5EF4-FFF2-40B4-BE49-F238E27FC236}">
+                <a16:creationId xmlns:a16="http://schemas.microsoft.com/office/drawing/2014/main" id="{32B48075-9644-402C-B574-921803614862}"/>
+              </a:ext>
+            </a:extLst>
+          </p:cNvPr>
+          <p:cNvSpPr>
+            <a:spLocks noGrp="1"/>
+          </p:cNvSpPr>
+          <p:nvPr>
+            <p:ph type="body" sz="quarter" idx="10"/>
+          </p:nvPr>
+        </p:nvSpPr>
+        <p:spPr>
+          <a:xfrm>
+            <a:off x="269239" y="1189177"/>
+            <a:ext cx="11653523" cy="960263"/>
+          </a:xfrm>
+        </p:spPr>
+        <p:txBody>
+          <a:bodyPr/>
+          <a:lstStyle/>
+          <a:p>
+            <a:pPr marL="0" indent="0">
+              <a:buNone/>
+            </a:pPr>
+            <a:r>
+              <a:rPr lang="en-US" sz="2800" dirty="0"/>
+              <a:t>1. How do you suggest keeping the environment model up-to-date with the real world state?</a:t>
+            </a:r>
+          </a:p>
+        </p:txBody>
+      </p:sp>
+    </p:spTree>
+    <p:extLst>
+      <p:ext uri="{BB962C8B-B14F-4D97-AF65-F5344CB8AC3E}">
+        <p14:creationId xmlns:p14="http://schemas.microsoft.com/office/powerpoint/2010/main" val="2385086352"/>
+      </p:ext>
+    </p:extLst>
+  </p:cSld>
+  <p:clrMapOvr>
+    <a:masterClrMapping/>
+  </p:clrMapOvr>
+  <p:transition>
+    <p:fade/>
+  </p:transition>
+</p:sld>
+</file>
+
+<file path=ppt/slides/slide13.xml><?xml version="1.0" encoding="utf-8"?>
+<p:sld xmlns:a="http://schemas.openxmlformats.org/drawingml/2006/main" xmlns:r="http://schemas.openxmlformats.org/officeDocument/2006/relationships" xmlns:p="http://schemas.openxmlformats.org/presentationml/2006/main">
+  <p:cSld>
+    <p:spTree>
+      <p:nvGrpSpPr>
+        <p:cNvPr id="1" name=""/>
+        <p:cNvGrpSpPr/>
+        <p:nvPr/>
+      </p:nvGrpSpPr>
+      <p:grpSpPr>
+        <a:xfrm>
+          <a:off x="0" y="0"/>
+          <a:ext cx="0" cy="0"/>
+          <a:chOff x="0" y="0"/>
+          <a:chExt cx="0" cy="0"/>
+        </a:xfrm>
+      </p:grpSpPr>
+      <p:sp>
+        <p:nvSpPr>
+          <p:cNvPr id="3" name="Title 2">
+            <a:extLst>
+              <a:ext uri="{FF2B5EF4-FFF2-40B4-BE49-F238E27FC236}">
+                <a16:creationId xmlns:a16="http://schemas.microsoft.com/office/drawing/2014/main" id="{08A7B538-E5CE-4B60-B7BA-FE9869EEC8FD}"/>
+              </a:ext>
+            </a:extLst>
+          </p:cNvPr>
+          <p:cNvSpPr>
+            <a:spLocks noGrp="1"/>
+          </p:cNvSpPr>
+          <p:nvPr>
+            <p:ph type="title"/>
+          </p:nvPr>
+        </p:nvSpPr>
+        <p:spPr/>
+        <p:txBody>
+          <a:bodyPr/>
+          <a:lstStyle/>
+          <a:p>
+            <a:r>
+              <a:rPr lang="en-US" dirty="0"/>
+              <a:t>Business logic implementation</a:t>
+            </a:r>
+          </a:p>
+        </p:txBody>
+      </p:sp>
+      <p:sp>
+        <p:nvSpPr>
+          <p:cNvPr id="2" name="Text Placeholder 1">
+            <a:extLst>
+              <a:ext uri="{FF2B5EF4-FFF2-40B4-BE49-F238E27FC236}">
+                <a16:creationId xmlns:a16="http://schemas.microsoft.com/office/drawing/2014/main" id="{2099F8A8-1DD9-4267-9A69-1062B6FF83EE}"/>
+              </a:ext>
+            </a:extLst>
+          </p:cNvPr>
+          <p:cNvSpPr>
+            <a:spLocks noGrp="1"/>
+          </p:cNvSpPr>
+          <p:nvPr>
+            <p:ph type="body" sz="quarter" idx="10"/>
+          </p:nvPr>
+        </p:nvSpPr>
+        <p:spPr>
+          <a:xfrm>
+            <a:off x="269239" y="1189177"/>
+            <a:ext cx="11653523" cy="1813766"/>
+          </a:xfrm>
+        </p:spPr>
+        <p:txBody>
+          <a:bodyPr/>
+          <a:lstStyle/>
+          <a:p>
+            <a:pPr marL="0" indent="0">
+              <a:buNone/>
+            </a:pPr>
+            <a:r>
+              <a:rPr lang="en-US" dirty="0"/>
+              <a:t>1. How do you suggest implementing failover in the event that a factory needs to be taken offline for maintenance?</a:t>
+            </a:r>
+          </a:p>
+        </p:txBody>
+      </p:sp>
+    </p:spTree>
+    <p:extLst>
+      <p:ext uri="{BB962C8B-B14F-4D97-AF65-F5344CB8AC3E}">
+        <p14:creationId xmlns:p14="http://schemas.microsoft.com/office/powerpoint/2010/main" val="2661510029"/>
+      </p:ext>
+    </p:extLst>
+  </p:cSld>
+  <p:clrMapOvr>
+    <a:masterClrMapping/>
+  </p:clrMapOvr>
+  <p:transition>
+    <p:fade/>
+  </p:transition>
+</p:sld>
+</file>
+
+<file path=ppt/slides/slide14.xml><?xml version="1.0" encoding="utf-8"?>
+<p:sld xmlns:a="http://schemas.openxmlformats.org/drawingml/2006/main" xmlns:r="http://schemas.openxmlformats.org/officeDocument/2006/relationships" xmlns:p="http://schemas.openxmlformats.org/presentationml/2006/main">
+  <p:cSld>
+    <p:spTree>
+      <p:nvGrpSpPr>
+        <p:cNvPr id="1" name=""/>
+        <p:cNvGrpSpPr/>
+        <p:nvPr/>
+      </p:nvGrpSpPr>
+      <p:grpSpPr>
+        <a:xfrm>
+          <a:off x="0" y="0"/>
+          <a:ext cx="0" cy="0"/>
+          <a:chOff x="0" y="0"/>
+          <a:chExt cx="0" cy="0"/>
+        </a:xfrm>
+      </p:grpSpPr>
+      <p:sp>
+        <p:nvSpPr>
+          <p:cNvPr id="3" name="Title 2">
+            <a:extLst>
+              <a:ext uri="{FF2B5EF4-FFF2-40B4-BE49-F238E27FC236}">
+                <a16:creationId xmlns:a16="http://schemas.microsoft.com/office/drawing/2014/main" id="{9802D814-5FA3-4FFF-A402-FE8D2F52D189}"/>
+              </a:ext>
+            </a:extLst>
+          </p:cNvPr>
+          <p:cNvSpPr>
+            <a:spLocks noGrp="1"/>
+          </p:cNvSpPr>
+          <p:nvPr>
+            <p:ph type="title"/>
+          </p:nvPr>
+        </p:nvSpPr>
+        <p:spPr/>
+        <p:txBody>
+          <a:bodyPr/>
+          <a:lstStyle/>
+          <a:p>
+            <a:r>
+              <a:rPr lang="en-US" dirty="0"/>
+              <a:t>Data visualization</a:t>
+            </a:r>
+          </a:p>
+        </p:txBody>
+      </p:sp>
+      <p:sp>
+        <p:nvSpPr>
+          <p:cNvPr id="2" name="Text Placeholder 1">
+            <a:extLst>
+              <a:ext uri="{FF2B5EF4-FFF2-40B4-BE49-F238E27FC236}">
+                <a16:creationId xmlns:a16="http://schemas.microsoft.com/office/drawing/2014/main" id="{2752C28C-5AA6-4D85-B6CA-92305C680650}"/>
+              </a:ext>
+            </a:extLst>
+          </p:cNvPr>
+          <p:cNvSpPr>
+            <a:spLocks noGrp="1"/>
+          </p:cNvSpPr>
+          <p:nvPr>
+            <p:ph type="body" sz="quarter" idx="10"/>
+          </p:nvPr>
+        </p:nvSpPr>
+        <p:spPr>
+          <a:xfrm>
+            <a:off x="269239" y="1189177"/>
+            <a:ext cx="11653523" cy="960263"/>
+          </a:xfrm>
+        </p:spPr>
+        <p:txBody>
+          <a:bodyPr/>
+          <a:lstStyle/>
+          <a:p>
+            <a:pPr marL="0" indent="0">
+              <a:buNone/>
+            </a:pPr>
+            <a:r>
+              <a:rPr lang="en-US" sz="2800" dirty="0"/>
+              <a:t>1. Contoso apparel needs to be able to perform ad-hoc queries and visualize historical data. What Azure service(s) would you suggest for this?</a:t>
+            </a:r>
+          </a:p>
+        </p:txBody>
+      </p:sp>
+    </p:spTree>
+    <p:extLst>
+      <p:ext uri="{BB962C8B-B14F-4D97-AF65-F5344CB8AC3E}">
+        <p14:creationId xmlns:p14="http://schemas.microsoft.com/office/powerpoint/2010/main" val="1309031653"/>
+      </p:ext>
+    </p:extLst>
+  </p:cSld>
+  <p:clrMapOvr>
+    <a:masterClrMapping/>
+  </p:clrMapOvr>
+  <p:transition>
+    <p:fade/>
+  </p:transition>
+</p:sld>
+</file>
+
+<file path=ppt/slides/slide15.xml><?xml version="1.0" encoding="utf-8"?>
+<p:sld xmlns:a="http://schemas.openxmlformats.org/drawingml/2006/main" xmlns:r="http://schemas.openxmlformats.org/officeDocument/2006/relationships" xmlns:p="http://schemas.openxmlformats.org/presentationml/2006/main">
+  <p:cSld>
+    <p:spTree>
+      <p:nvGrpSpPr>
+        <p:cNvPr id="1" name=""/>
+        <p:cNvGrpSpPr/>
+        <p:nvPr/>
+      </p:nvGrpSpPr>
+      <p:grpSpPr>
+        <a:xfrm>
+          <a:off x="0" y="0"/>
+          <a:ext cx="0" cy="0"/>
+          <a:chOff x="0" y="0"/>
+          <a:chExt cx="0" cy="0"/>
+        </a:xfrm>
+      </p:grpSpPr>
+      <p:sp>
+        <p:nvSpPr>
+          <p:cNvPr id="2" name="Title 1"/>
+          <p:cNvSpPr>
+            <a:spLocks noGrp="1"/>
+          </p:cNvSpPr>
+          <p:nvPr>
+            <p:ph type="title"/>
+          </p:nvPr>
+        </p:nvSpPr>
+        <p:spPr/>
+        <p:txBody>
+          <a:bodyPr>
+            <a:normAutofit/>
+          </a:bodyPr>
+          <a:lstStyle/>
+          <a:p>
+            <a:r>
+              <a:rPr lang="en-US" sz="4400" dirty="0">
+                <a:solidFill>
+                  <a:schemeClr val="tx1"/>
+                </a:solidFill>
+                <a:latin typeface="Segoe UI Light" panose="020B0502040204020203" pitchFamily="34" charset="0"/>
+                <a:cs typeface="Segoe UI Light" panose="020B0502040204020203" pitchFamily="34" charset="0"/>
+              </a:rPr>
+              <a:t>Step 3: Present the solution</a:t>
+            </a:r>
+          </a:p>
+        </p:txBody>
+      </p:sp>
+      <p:sp>
+        <p:nvSpPr>
+          <p:cNvPr id="9" name="TextBox 8">
+            <a:extLst>
+              <a:ext uri="{FF2B5EF4-FFF2-40B4-BE49-F238E27FC236}">
+                <a16:creationId xmlns:a16="http://schemas.microsoft.com/office/drawing/2014/main" id="{0F86F9F9-39B5-4CE6-AF48-9ADAE40EA728}"/>
+              </a:ext>
+            </a:extLst>
+          </p:cNvPr>
+          <p:cNvSpPr txBox="1"/>
+          <p:nvPr/>
+        </p:nvSpPr>
+        <p:spPr>
+          <a:xfrm>
+            <a:off x="340285" y="1062166"/>
+            <a:ext cx="10229103" cy="5838521"/>
+          </a:xfrm>
+          <a:prstGeom prst="rect">
+            <a:avLst/>
+          </a:prstGeom>
+          <a:noFill/>
+        </p:spPr>
+        <p:txBody>
+          <a:bodyPr wrap="square" lIns="182880" tIns="146304" rIns="182880" bIns="146304" rtlCol="0">
+            <a:spAutoFit/>
+          </a:bodyPr>
+          <a:lstStyle/>
+          <a:p>
+            <a:pPr>
+              <a:lnSpc>
+                <a:spcPct val="90000"/>
+              </a:lnSpc>
+              <a:spcAft>
+                <a:spcPts val="600"/>
+              </a:spcAft>
+            </a:pPr>
+            <a:r>
+              <a:rPr lang="en-US" sz="3600" dirty="0">
+                <a:latin typeface="+mj-lt"/>
+              </a:rPr>
+              <a:t>Outcome</a:t>
+            </a:r>
+          </a:p>
+          <a:p>
+            <a:pPr>
+              <a:lnSpc>
+                <a:spcPct val="90000"/>
+              </a:lnSpc>
+              <a:spcAft>
+                <a:spcPts val="600"/>
+              </a:spcAft>
+            </a:pPr>
+            <a:r>
+              <a:rPr lang="en-US" sz="2400" dirty="0">
+                <a:latin typeface="Segoe UI Semilight" panose="020B0402040204020203" pitchFamily="34" charset="0"/>
+                <a:cs typeface="Segoe UI Semilight" panose="020B0402040204020203" pitchFamily="34" charset="0"/>
+              </a:rPr>
+              <a:t>Present a solution to the target customer in a 15-minute chalk-talk format </a:t>
+            </a:r>
+            <a:endParaRPr lang="en-US" sz="3600" dirty="0">
+              <a:latin typeface="+mj-lt"/>
+            </a:endParaRPr>
+          </a:p>
+          <a:p>
+            <a:pPr>
+              <a:lnSpc>
+                <a:spcPct val="90000"/>
+              </a:lnSpc>
+              <a:spcAft>
+                <a:spcPts val="600"/>
+              </a:spcAft>
+            </a:pPr>
+            <a:endParaRPr lang="en-US" sz="2400" dirty="0">
+              <a:latin typeface="+mj-lt"/>
+            </a:endParaRPr>
+          </a:p>
+          <a:p>
+            <a:pPr>
+              <a:lnSpc>
+                <a:spcPct val="90000"/>
+              </a:lnSpc>
+              <a:spcAft>
+                <a:spcPts val="600"/>
+              </a:spcAft>
+            </a:pPr>
+            <a:r>
+              <a:rPr lang="en-US" sz="3600" dirty="0">
+                <a:latin typeface="+mj-lt"/>
+              </a:rPr>
+              <a:t>Timeframe</a:t>
+            </a:r>
+          </a:p>
+          <a:p>
+            <a:pPr>
+              <a:lnSpc>
+                <a:spcPct val="90000"/>
+              </a:lnSpc>
+              <a:spcAft>
+                <a:spcPts val="600"/>
+              </a:spcAft>
+            </a:pPr>
+            <a:r>
+              <a:rPr lang="en-US" sz="2400" dirty="0">
+                <a:latin typeface="Segoe UI Semilight" panose="020B0402040204020203" pitchFamily="34" charset="0"/>
+                <a:cs typeface="Segoe UI Semilight" panose="020B0402040204020203" pitchFamily="34" charset="0"/>
+              </a:rPr>
+              <a:t>30 minutes (15 minutes for each team to present and receive feedback) </a:t>
+            </a:r>
+          </a:p>
+          <a:p>
+            <a:pPr>
+              <a:lnSpc>
+                <a:spcPct val="90000"/>
+              </a:lnSpc>
+              <a:spcAft>
+                <a:spcPts val="600"/>
+              </a:spcAft>
+            </a:pPr>
+            <a:endParaRPr lang="en-US" sz="2400" dirty="0">
+              <a:latin typeface="+mj-lt"/>
+            </a:endParaRPr>
+          </a:p>
+          <a:p>
+            <a:pPr>
+              <a:lnSpc>
+                <a:spcPct val="90000"/>
+              </a:lnSpc>
+              <a:spcAft>
+                <a:spcPts val="600"/>
+              </a:spcAft>
+            </a:pPr>
+            <a:r>
+              <a:rPr lang="en-US" sz="3600" dirty="0">
+                <a:latin typeface="+mj-lt"/>
+              </a:rPr>
+              <a:t>Directions</a:t>
+            </a:r>
+          </a:p>
+          <a:p>
+            <a:pPr marL="342900" lvl="0" indent="-342900">
+              <a:buFont typeface="Arial" panose="020B0604020202020204" pitchFamily="34" charset="0"/>
+              <a:buChar char="•"/>
+            </a:pPr>
+            <a:r>
+              <a:rPr lang="en-US" sz="2000" dirty="0">
+                <a:latin typeface="Segoe UI Semilight" panose="020B0402040204020203" pitchFamily="34" charset="0"/>
+                <a:cs typeface="Segoe UI Semilight" panose="020B0402040204020203" pitchFamily="34" charset="0"/>
+              </a:rPr>
+              <a:t>Pair with another table</a:t>
+            </a:r>
+          </a:p>
+          <a:p>
+            <a:pPr marL="342900" lvl="0" indent="-342900">
+              <a:buFont typeface="Arial" panose="020B0604020202020204" pitchFamily="34" charset="0"/>
+              <a:buChar char="•"/>
+            </a:pPr>
+            <a:r>
+              <a:rPr lang="en-US" sz="2000" dirty="0">
+                <a:latin typeface="Segoe UI Semilight" panose="020B0402040204020203" pitchFamily="34" charset="0"/>
+                <a:cs typeface="Segoe UI Semilight" panose="020B0402040204020203" pitchFamily="34" charset="0"/>
+              </a:rPr>
+              <a:t>One table is the Microsoft team and the other table is the customer</a:t>
+            </a:r>
+          </a:p>
+          <a:p>
+            <a:pPr marL="342900" lvl="0" indent="-342900">
+              <a:buFont typeface="Arial" panose="020B0604020202020204" pitchFamily="34" charset="0"/>
+              <a:buChar char="•"/>
+            </a:pPr>
+            <a:r>
+              <a:rPr lang="en-US" sz="2000" dirty="0">
+                <a:latin typeface="Segoe UI Semilight" panose="020B0402040204020203" pitchFamily="34" charset="0"/>
+                <a:cs typeface="Segoe UI Semilight" panose="020B0402040204020203" pitchFamily="34" charset="0"/>
+              </a:rPr>
+              <a:t>The Microsoft team presents their proposed solution to the customer</a:t>
+            </a:r>
+          </a:p>
+          <a:p>
+            <a:pPr marL="342900" lvl="0" indent="-342900">
+              <a:buFont typeface="Arial" panose="020B0604020202020204" pitchFamily="34" charset="0"/>
+              <a:buChar char="•"/>
+            </a:pPr>
+            <a:r>
+              <a:rPr lang="en-US" sz="2000" dirty="0">
+                <a:latin typeface="Segoe UI Semilight" panose="020B0402040204020203" pitchFamily="34" charset="0"/>
+                <a:cs typeface="Segoe UI Semilight" panose="020B0402040204020203" pitchFamily="34" charset="0"/>
+              </a:rPr>
+              <a:t>The customer asks one of the objections from the list of objections in the case study</a:t>
+            </a:r>
+          </a:p>
+          <a:p>
+            <a:pPr marL="342900" lvl="0" indent="-342900">
+              <a:buFont typeface="Arial" panose="020B0604020202020204" pitchFamily="34" charset="0"/>
+              <a:buChar char="•"/>
+            </a:pPr>
+            <a:r>
+              <a:rPr lang="en-US" sz="2000" dirty="0">
+                <a:latin typeface="Segoe UI Semilight" panose="020B0402040204020203" pitchFamily="34" charset="0"/>
+                <a:cs typeface="Segoe UI Semilight" panose="020B0402040204020203" pitchFamily="34" charset="0"/>
+              </a:rPr>
+              <a:t>The Microsoft team responds to the objection</a:t>
+            </a:r>
+          </a:p>
+          <a:p>
+            <a:pPr marL="342900" lvl="0" indent="-342900">
+              <a:buFont typeface="Arial" panose="020B0604020202020204" pitchFamily="34" charset="0"/>
+              <a:buChar char="•"/>
+            </a:pPr>
+            <a:r>
+              <a:rPr lang="en-US" sz="2000" dirty="0">
+                <a:latin typeface="Segoe UI Semilight" panose="020B0402040204020203" pitchFamily="34" charset="0"/>
+                <a:cs typeface="Segoe UI Semilight" panose="020B0402040204020203" pitchFamily="34" charset="0"/>
+              </a:rPr>
+              <a:t>The customer team gives feedback to the Microsoft team</a:t>
+            </a:r>
+            <a:endParaRPr lang="en-US" sz="2000" strike="sngStrike" dirty="0">
+              <a:latin typeface="Segoe UI Semilight" panose="020B0402040204020203" pitchFamily="34" charset="0"/>
+              <a:cs typeface="Segoe UI Semilight" panose="020B0402040204020203" pitchFamily="34" charset="0"/>
+            </a:endParaRPr>
+          </a:p>
+          <a:p>
+            <a:pPr>
+              <a:lnSpc>
+                <a:spcPct val="90000"/>
+              </a:lnSpc>
+              <a:spcAft>
+                <a:spcPts val="600"/>
+              </a:spcAft>
+            </a:pPr>
+            <a:endParaRPr lang="en-US" sz="2400" dirty="0">
+              <a:latin typeface="Segoe UI Semilight" panose="020B0402040204020203" pitchFamily="34" charset="0"/>
+              <a:cs typeface="Segoe UI Semilight" panose="020B0402040204020203" pitchFamily="34" charset="0"/>
+            </a:endParaRPr>
+          </a:p>
+        </p:txBody>
+      </p:sp>
+    </p:spTree>
+    <p:extLst>
+      <p:ext uri="{BB962C8B-B14F-4D97-AF65-F5344CB8AC3E}">
+        <p14:creationId xmlns:p14="http://schemas.microsoft.com/office/powerpoint/2010/main" val="3717261927"/>
+      </p:ext>
+    </p:extLst>
+  </p:cSld>
+  <p:clrMapOvr>
+    <a:masterClrMapping/>
+  </p:clrMapOvr>
+  <mc:AlternateContent xmlns:mc="http://schemas.openxmlformats.org/markup-compatibility/2006" xmlns:p14="http://schemas.microsoft.com/office/powerpoint/2010/main">
+    <mc:Choice Requires="p14">
+      <p:transition p14:dur="0"/>
+    </mc:Choice>
+    <mc:Fallback xmlns="">
+      <p:transition/>
+    </mc:Fallback>
+  </mc:AlternateContent>
+</p:sld>
+</file>
+
+<file path=ppt/slides/slide16.xml><?xml version="1.0" encoding="utf-8"?>
+<p:sld xmlns:a="http://schemas.openxmlformats.org/drawingml/2006/main" xmlns:r="http://schemas.openxmlformats.org/officeDocument/2006/relationships" xmlns:p="http://schemas.openxmlformats.org/presentationml/2006/main">
+  <p:cSld>
+    <p:spTree>
+      <p:nvGrpSpPr>
+        <p:cNvPr id="1" name=""/>
+        <p:cNvGrpSpPr/>
+        <p:nvPr/>
+      </p:nvGrpSpPr>
+      <p:grpSpPr>
+        <a:xfrm>
+          <a:off x="0" y="0"/>
+          <a:ext cx="0" cy="0"/>
+          <a:chOff x="0" y="0"/>
+          <a:chExt cx="0" cy="0"/>
+        </a:xfrm>
+      </p:grpSpPr>
+      <p:sp>
+        <p:nvSpPr>
           <p:cNvPr id="2" name="Title 1"/>
           <p:cNvSpPr>
             <a:spLocks noGrp="1"/>
@@ -16632,7 +17544,7 @@
 </p:sld>
 </file>
 
-<file path=ppt/slides/slide11.xml><?xml version="1.0" encoding="utf-8"?>
+<file path=ppt/slides/slide17.xml><?xml version="1.0" encoding="utf-8"?>
 <p:sld xmlns:a="http://schemas.openxmlformats.org/drawingml/2006/main" xmlns:r="http://schemas.openxmlformats.org/officeDocument/2006/relationships" xmlns:p="http://schemas.openxmlformats.org/presentationml/2006/main">
   <p:cSld>
     <p:bg>
@@ -16775,7 +17687,7 @@
 </p:sld>
 </file>
 
-<file path=ppt/slides/slide12.xml><?xml version="1.0" encoding="utf-8"?>
+<file path=ppt/slides/slide18.xml><?xml version="1.0" encoding="utf-8"?>
 <p:sld xmlns:a="http://schemas.openxmlformats.org/drawingml/2006/main" xmlns:r="http://schemas.openxmlformats.org/officeDocument/2006/relationships" xmlns:p="http://schemas.openxmlformats.org/presentationml/2006/main">
   <p:cSld>
     <p:spTree>
@@ -16912,7 +17824,7 @@
 </p:sld>
 </file>
 
-<file path=ppt/slides/slide13.xml><?xml version="1.0" encoding="utf-8"?>
+<file path=ppt/slides/slide19.xml><?xml version="1.0" encoding="utf-8"?>
 <p:sld xmlns:a="http://schemas.openxmlformats.org/drawingml/2006/main" xmlns:r="http://schemas.openxmlformats.org/officeDocument/2006/relationships" xmlns:p="http://schemas.openxmlformats.org/presentationml/2006/main">
   <p:cSld>
     <p:spTree>
@@ -17024,7 +17936,151 @@
 </p:sld>
 </file>
 
-<file path=ppt/slides/slide14.xml><?xml version="1.0" encoding="utf-8"?>
+<file path=ppt/slides/slide2.xml><?xml version="1.0" encoding="utf-8"?>
+<p:sld xmlns:a="http://schemas.openxmlformats.org/drawingml/2006/main" xmlns:r="http://schemas.openxmlformats.org/officeDocument/2006/relationships" xmlns:p="http://schemas.openxmlformats.org/presentationml/2006/main">
+  <p:cSld>
+    <p:bg>
+      <p:bgPr>
+        <a:solidFill>
+          <a:schemeClr val="bg2"/>
+        </a:solidFill>
+        <a:effectLst/>
+      </p:bgPr>
+    </p:bg>
+    <p:spTree>
+      <p:nvGrpSpPr>
+        <p:cNvPr id="1" name=""/>
+        <p:cNvGrpSpPr/>
+        <p:nvPr/>
+      </p:nvGrpSpPr>
+      <p:grpSpPr>
+        <a:xfrm>
+          <a:off x="0" y="0"/>
+          <a:ext cx="0" cy="0"/>
+          <a:chOff x="0" y="0"/>
+          <a:chExt cx="0" cy="0"/>
+        </a:xfrm>
+      </p:grpSpPr>
+      <p:sp>
+        <p:nvSpPr>
+          <p:cNvPr id="2" name="Title 1"/>
+          <p:cNvSpPr>
+            <a:spLocks noGrp="1"/>
+          </p:cNvSpPr>
+          <p:nvPr>
+            <p:ph type="title"/>
+          </p:nvPr>
+        </p:nvSpPr>
+        <p:spPr/>
+        <p:txBody>
+          <a:bodyPr>
+            <a:normAutofit/>
+          </a:bodyPr>
+          <a:lstStyle/>
+          <a:p>
+            <a:r>
+              <a:rPr lang="en-US" sz="4400" dirty="0">
+                <a:solidFill>
+                  <a:schemeClr val="tx1"/>
+                </a:solidFill>
+                <a:latin typeface="Segoe UI Light" panose="020B0502040204020203" pitchFamily="34" charset="0"/>
+                <a:cs typeface="Segoe UI Light" panose="020B0502040204020203" pitchFamily="34" charset="0"/>
+              </a:rPr>
+              <a:t>Abstract and learning objectives</a:t>
+            </a:r>
+          </a:p>
+        </p:txBody>
+      </p:sp>
+      <p:sp>
+        <p:nvSpPr>
+          <p:cNvPr id="9" name="TextBox 8">
+            <a:extLst>
+              <a:ext uri="{FF2B5EF4-FFF2-40B4-BE49-F238E27FC236}">
+                <a16:creationId xmlns:a16="http://schemas.microsoft.com/office/drawing/2014/main" id="{0F86F9F9-39B5-4CE6-AF48-9ADAE40EA728}"/>
+              </a:ext>
+            </a:extLst>
+          </p:cNvPr>
+          <p:cNvSpPr txBox="1"/>
+          <p:nvPr/>
+        </p:nvSpPr>
+        <p:spPr>
+          <a:xfrm>
+            <a:off x="380856" y="1470790"/>
+            <a:ext cx="11506344" cy="4105739"/>
+          </a:xfrm>
+          <a:prstGeom prst="rect">
+            <a:avLst/>
+          </a:prstGeom>
+          <a:noFill/>
+        </p:spPr>
+        <p:txBody>
+          <a:bodyPr wrap="square" lIns="182880" tIns="146304" rIns="182880" bIns="146304" rtlCol="0">
+            <a:spAutoFit/>
+          </a:bodyPr>
+          <a:lstStyle/>
+          <a:p>
+            <a:pPr>
+              <a:lnSpc>
+                <a:spcPct val="90000"/>
+              </a:lnSpc>
+              <a:spcAft>
+                <a:spcPts val="600"/>
+              </a:spcAft>
+            </a:pPr>
+            <a:r>
+              <a:rPr lang="en-US" sz="2400" dirty="0"/>
+              <a:t>In this whiteboard design session, you will work in a group to evaluate Contoso's goals and design an IoT-based supply chain solution that uses the optimal combination of Azure tools and services that will fulfill their needs. You will also model their physical and logical environment to identify elements along with their properties and define the relationships between them. You will guide Contoso on deploying these models to Azure Digital Twins, how to leverage them and keep them up-to-date.</a:t>
+            </a:r>
+          </a:p>
+          <a:p>
+            <a:pPr>
+              <a:lnSpc>
+                <a:spcPct val="90000"/>
+              </a:lnSpc>
+              <a:spcAft>
+                <a:spcPts val="600"/>
+              </a:spcAft>
+            </a:pPr>
+            <a:endParaRPr lang="en-US" sz="2400" dirty="0"/>
+          </a:p>
+          <a:p>
+            <a:pPr>
+              <a:lnSpc>
+                <a:spcPct val="90000"/>
+              </a:lnSpc>
+              <a:spcAft>
+                <a:spcPts val="600"/>
+              </a:spcAft>
+            </a:pPr>
+            <a:r>
+              <a:rPr lang="en-US" sz="2400" dirty="0"/>
+              <a:t>At the end of this whiteboard design session, you will be better able to design an end-to-end Azure IoT supply chain solution from telemetry ingestion to data insights, all while leveraging Azure Digital Twins.</a:t>
+            </a:r>
+          </a:p>
+        </p:txBody>
+      </p:sp>
+    </p:spTree>
+    <p:extLst>
+      <p:ext uri="{BB962C8B-B14F-4D97-AF65-F5344CB8AC3E}">
+        <p14:creationId xmlns:p14="http://schemas.microsoft.com/office/powerpoint/2010/main" val="772880493"/>
+      </p:ext>
+    </p:extLst>
+  </p:cSld>
+  <p:clrMapOvr>
+    <a:masterClrMapping/>
+  </p:clrMapOvr>
+  <mc:AlternateContent xmlns:mc="http://schemas.openxmlformats.org/markup-compatibility/2006" xmlns:p14="http://schemas.microsoft.com/office/powerpoint/2010/main">
+    <mc:Choice Requires="p14">
+      <p:transition p14:dur="0"/>
+    </mc:Choice>
+    <mc:Fallback xmlns="">
+      <p:transition/>
+    </mc:Fallback>
+  </mc:AlternateContent>
+</p:sld>
+</file>
+
+<file path=ppt/slides/slide20.xml><?xml version="1.0" encoding="utf-8"?>
 <p:sld xmlns:a="http://schemas.openxmlformats.org/drawingml/2006/main" xmlns:r="http://schemas.openxmlformats.org/officeDocument/2006/relationships" xmlns:p="http://schemas.openxmlformats.org/presentationml/2006/main">
   <p:cSld>
     <p:spTree>
@@ -17176,7 +18232,7 @@
 </p:sld>
 </file>
 
-<file path=ppt/slides/slide15.xml><?xml version="1.0" encoding="utf-8"?>
+<file path=ppt/slides/slide21.xml><?xml version="1.0" encoding="utf-8"?>
 <p:sld xmlns:a="http://schemas.openxmlformats.org/drawingml/2006/main" xmlns:r="http://schemas.openxmlformats.org/officeDocument/2006/relationships" xmlns:p="http://schemas.openxmlformats.org/presentationml/2006/main">
   <p:cSld>
     <p:spTree>
@@ -17318,7 +18374,7 @@
 </p:sld>
 </file>
 
-<file path=ppt/slides/slide16.xml><?xml version="1.0" encoding="utf-8"?>
+<file path=ppt/slides/slide22.xml><?xml version="1.0" encoding="utf-8"?>
 <p:sld xmlns:a="http://schemas.openxmlformats.org/drawingml/2006/main" xmlns:r="http://schemas.openxmlformats.org/officeDocument/2006/relationships" xmlns:p="http://schemas.openxmlformats.org/presentationml/2006/main">
   <p:cSld>
     <p:spTree>
@@ -17430,7 +18486,7 @@
 </p:sld>
 </file>
 
-<file path=ppt/slides/slide17.xml><?xml version="1.0" encoding="utf-8"?>
+<file path=ppt/slides/slide23.xml><?xml version="1.0" encoding="utf-8"?>
 <p:sld xmlns:a="http://schemas.openxmlformats.org/drawingml/2006/main" xmlns:r="http://schemas.openxmlformats.org/officeDocument/2006/relationships" xmlns:p="http://schemas.openxmlformats.org/presentationml/2006/main">
   <p:cSld>
     <p:spTree>
@@ -17572,7 +18628,7 @@
 </p:sld>
 </file>
 
-<file path=ppt/slides/slide18.xml><?xml version="1.0" encoding="utf-8"?>
+<file path=ppt/slides/slide24.xml><?xml version="1.0" encoding="utf-8"?>
 <p:sld xmlns:a="http://schemas.openxmlformats.org/drawingml/2006/main" xmlns:r="http://schemas.openxmlformats.org/officeDocument/2006/relationships" xmlns:p="http://schemas.openxmlformats.org/presentationml/2006/main">
   <p:cSld>
     <p:spTree>
@@ -17731,7 +18787,7 @@
 </p:sld>
 </file>
 
-<file path=ppt/slides/slide19.xml><?xml version="1.0" encoding="utf-8"?>
+<file path=ppt/slides/slide25.xml><?xml version="1.0" encoding="utf-8"?>
 <p:sld xmlns:a="http://schemas.openxmlformats.org/drawingml/2006/main" xmlns:r="http://schemas.openxmlformats.org/officeDocument/2006/relationships" xmlns:p="http://schemas.openxmlformats.org/presentationml/2006/main">
   <p:cSld>
     <p:spTree>
@@ -17874,7 +18930,457 @@
 </p:sld>
 </file>
 
-<file path=ppt/slides/slide2.xml><?xml version="1.0" encoding="utf-8"?>
+<file path=ppt/slides/slide26.xml><?xml version="1.0" encoding="utf-8"?>
+<p:sld xmlns:a="http://schemas.openxmlformats.org/drawingml/2006/main" xmlns:r="http://schemas.openxmlformats.org/officeDocument/2006/relationships" xmlns:p="http://schemas.openxmlformats.org/presentationml/2006/main">
+  <p:cSld>
+    <p:spTree>
+      <p:nvGrpSpPr>
+        <p:cNvPr id="1" name=""/>
+        <p:cNvGrpSpPr/>
+        <p:nvPr/>
+      </p:nvGrpSpPr>
+      <p:grpSpPr>
+        <a:xfrm>
+          <a:off x="0" y="0"/>
+          <a:ext cx="0" cy="0"/>
+          <a:chOff x="0" y="0"/>
+          <a:chExt cx="0" cy="0"/>
+        </a:xfrm>
+      </p:grpSpPr>
+      <p:sp>
+        <p:nvSpPr>
+          <p:cNvPr id="3" name="Title 2">
+            <a:extLst>
+              <a:ext uri="{FF2B5EF4-FFF2-40B4-BE49-F238E27FC236}">
+                <a16:creationId xmlns:a16="http://schemas.microsoft.com/office/drawing/2014/main" id="{A3AA594C-0E47-430C-843D-437478DD6B9F}"/>
+              </a:ext>
+            </a:extLst>
+          </p:cNvPr>
+          <p:cNvSpPr>
+            <a:spLocks noGrp="1"/>
+          </p:cNvSpPr>
+          <p:nvPr>
+            <p:ph type="title"/>
+          </p:nvPr>
+        </p:nvSpPr>
+        <p:spPr/>
+        <p:txBody>
+          <a:bodyPr/>
+          <a:lstStyle/>
+          <a:p>
+            <a:r>
+              <a:rPr lang="en-US" sz="4000" dirty="0"/>
+              <a:t>Preferred solution – Data ingestion and modeling (4)</a:t>
+            </a:r>
+          </a:p>
+        </p:txBody>
+      </p:sp>
+      <p:sp>
+        <p:nvSpPr>
+          <p:cNvPr id="2" name="Text Placeholder 1">
+            <a:extLst>
+              <a:ext uri="{FF2B5EF4-FFF2-40B4-BE49-F238E27FC236}">
+                <a16:creationId xmlns:a16="http://schemas.microsoft.com/office/drawing/2014/main" id="{4C9EA431-8BFE-45B4-82E8-82C8980F5723}"/>
+              </a:ext>
+            </a:extLst>
+          </p:cNvPr>
+          <p:cNvSpPr>
+            <a:spLocks noGrp="1"/>
+          </p:cNvSpPr>
+          <p:nvPr>
+            <p:ph type="body" sz="quarter" idx="10"/>
+          </p:nvPr>
+        </p:nvSpPr>
+        <p:spPr>
+          <a:xfrm>
+            <a:off x="269239" y="1189177"/>
+            <a:ext cx="11624653" cy="3149517"/>
+          </a:xfrm>
+        </p:spPr>
+        <p:txBody>
+          <a:bodyPr/>
+          <a:lstStyle/>
+          <a:p>
+            <a:pPr marL="0" indent="0">
+              <a:buNone/>
+            </a:pPr>
+            <a:r>
+              <a:rPr lang="en-US" dirty="0"/>
+              <a:t>4) Which Azure service(s) would you recommend so that Contoso Apparel can receive the humidity anomaly notification?</a:t>
+            </a:r>
+            <a:endParaRPr lang="en-US" sz="2800" dirty="0"/>
+          </a:p>
+          <a:p>
+            <a:pPr marL="0" indent="0">
+              <a:buNone/>
+            </a:pPr>
+            <a:endParaRPr lang="en-US" sz="2800" dirty="0"/>
+          </a:p>
+          <a:p>
+            <a:pPr marL="0" indent="0">
+              <a:buNone/>
+            </a:pPr>
+            <a:r>
+              <a:rPr lang="en-US" sz="2800" dirty="0"/>
+              <a:t>A Logic Application could be used to provide a number of notification types, including email and text message notifications.</a:t>
+            </a:r>
+          </a:p>
+        </p:txBody>
+      </p:sp>
+    </p:spTree>
+    <p:extLst>
+      <p:ext uri="{BB962C8B-B14F-4D97-AF65-F5344CB8AC3E}">
+        <p14:creationId xmlns:p14="http://schemas.microsoft.com/office/powerpoint/2010/main" val="1252504767"/>
+      </p:ext>
+    </p:extLst>
+  </p:cSld>
+  <p:clrMapOvr>
+    <a:masterClrMapping/>
+  </p:clrMapOvr>
+  <p:transition>
+    <p:fade/>
+  </p:transition>
+</p:sld>
+</file>
+
+<file path=ppt/slides/slide27.xml><?xml version="1.0" encoding="utf-8"?>
+<p:sld xmlns:a="http://schemas.openxmlformats.org/drawingml/2006/main" xmlns:r="http://schemas.openxmlformats.org/officeDocument/2006/relationships" xmlns:p="http://schemas.openxmlformats.org/presentationml/2006/main">
+  <p:cSld>
+    <p:spTree>
+      <p:nvGrpSpPr>
+        <p:cNvPr id="1" name=""/>
+        <p:cNvGrpSpPr/>
+        <p:nvPr/>
+      </p:nvGrpSpPr>
+      <p:grpSpPr>
+        <a:xfrm>
+          <a:off x="0" y="0"/>
+          <a:ext cx="0" cy="0"/>
+          <a:chOff x="0" y="0"/>
+          <a:chExt cx="0" cy="0"/>
+        </a:xfrm>
+      </p:grpSpPr>
+      <p:sp>
+        <p:nvSpPr>
+          <p:cNvPr id="3" name="Title 2">
+            <a:extLst>
+              <a:ext uri="{FF2B5EF4-FFF2-40B4-BE49-F238E27FC236}">
+                <a16:creationId xmlns:a16="http://schemas.microsoft.com/office/drawing/2014/main" id="{A3AA594C-0E47-430C-843D-437478DD6B9F}"/>
+              </a:ext>
+            </a:extLst>
+          </p:cNvPr>
+          <p:cNvSpPr>
+            <a:spLocks noGrp="1"/>
+          </p:cNvSpPr>
+          <p:nvPr>
+            <p:ph type="title"/>
+          </p:nvPr>
+        </p:nvSpPr>
+        <p:spPr/>
+        <p:txBody>
+          <a:bodyPr/>
+          <a:lstStyle/>
+          <a:p>
+            <a:r>
+              <a:rPr lang="en-US" dirty="0"/>
+              <a:t>Preferred solution – Model updates (1)</a:t>
+            </a:r>
+          </a:p>
+        </p:txBody>
+      </p:sp>
+      <p:sp>
+        <p:nvSpPr>
+          <p:cNvPr id="2" name="Text Placeholder 1">
+            <a:extLst>
+              <a:ext uri="{FF2B5EF4-FFF2-40B4-BE49-F238E27FC236}">
+                <a16:creationId xmlns:a16="http://schemas.microsoft.com/office/drawing/2014/main" id="{4C9EA431-8BFE-45B4-82E8-82C8980F5723}"/>
+              </a:ext>
+            </a:extLst>
+          </p:cNvPr>
+          <p:cNvSpPr>
+            <a:spLocks noGrp="1"/>
+          </p:cNvSpPr>
+          <p:nvPr>
+            <p:ph type="body" sz="quarter" idx="10"/>
+          </p:nvPr>
+        </p:nvSpPr>
+        <p:spPr>
+          <a:xfrm>
+            <a:off x="269239" y="1189177"/>
+            <a:ext cx="11653523" cy="2606483"/>
+          </a:xfrm>
+        </p:spPr>
+        <p:txBody>
+          <a:bodyPr/>
+          <a:lstStyle/>
+          <a:p>
+            <a:pPr marL="0" indent="0">
+              <a:buNone/>
+            </a:pPr>
+            <a:r>
+              <a:rPr lang="en-US" dirty="0"/>
+              <a:t>1) How do you suggest keeping the environment model up-to-date with the real world state?</a:t>
+            </a:r>
+          </a:p>
+          <a:p>
+            <a:pPr marL="0" indent="0">
+              <a:buNone/>
+            </a:pPr>
+            <a:endParaRPr lang="en-US" sz="2800" dirty="0"/>
+          </a:p>
+          <a:p>
+            <a:pPr marL="0" indent="0">
+              <a:buNone/>
+            </a:pPr>
+            <a:r>
+              <a:rPr lang="en-US" sz="2800" dirty="0"/>
+              <a:t>An Azure Function can process incoming telemetry and forward this information to Azure Digital Twins</a:t>
+            </a:r>
+          </a:p>
+        </p:txBody>
+      </p:sp>
+    </p:spTree>
+    <p:extLst>
+      <p:ext uri="{BB962C8B-B14F-4D97-AF65-F5344CB8AC3E}">
+        <p14:creationId xmlns:p14="http://schemas.microsoft.com/office/powerpoint/2010/main" val="998514772"/>
+      </p:ext>
+    </p:extLst>
+  </p:cSld>
+  <p:clrMapOvr>
+    <a:masterClrMapping/>
+  </p:clrMapOvr>
+  <p:transition>
+    <p:fade/>
+  </p:transition>
+</p:sld>
+</file>
+
+<file path=ppt/slides/slide28.xml><?xml version="1.0" encoding="utf-8"?>
+<p:sld xmlns:a="http://schemas.openxmlformats.org/drawingml/2006/main" xmlns:r="http://schemas.openxmlformats.org/officeDocument/2006/relationships" xmlns:p="http://schemas.openxmlformats.org/presentationml/2006/main">
+  <p:cSld>
+    <p:spTree>
+      <p:nvGrpSpPr>
+        <p:cNvPr id="1" name=""/>
+        <p:cNvGrpSpPr/>
+        <p:nvPr/>
+      </p:nvGrpSpPr>
+      <p:grpSpPr>
+        <a:xfrm>
+          <a:off x="0" y="0"/>
+          <a:ext cx="0" cy="0"/>
+          <a:chOff x="0" y="0"/>
+          <a:chExt cx="0" cy="0"/>
+        </a:xfrm>
+      </p:grpSpPr>
+      <p:sp>
+        <p:nvSpPr>
+          <p:cNvPr id="3" name="Title 2">
+            <a:extLst>
+              <a:ext uri="{FF2B5EF4-FFF2-40B4-BE49-F238E27FC236}">
+                <a16:creationId xmlns:a16="http://schemas.microsoft.com/office/drawing/2014/main" id="{A3AA594C-0E47-430C-843D-437478DD6B9F}"/>
+              </a:ext>
+            </a:extLst>
+          </p:cNvPr>
+          <p:cNvSpPr>
+            <a:spLocks noGrp="1"/>
+          </p:cNvSpPr>
+          <p:nvPr>
+            <p:ph type="title"/>
+          </p:nvPr>
+        </p:nvSpPr>
+        <p:spPr/>
+        <p:txBody>
+          <a:bodyPr/>
+          <a:lstStyle/>
+          <a:p>
+            <a:r>
+              <a:rPr lang="en-US" sz="4000" dirty="0"/>
+              <a:t>Preferred solution – Business logic implementation(1)</a:t>
+            </a:r>
+          </a:p>
+        </p:txBody>
+      </p:sp>
+      <p:sp>
+        <p:nvSpPr>
+          <p:cNvPr id="2" name="Text Placeholder 1">
+            <a:extLst>
+              <a:ext uri="{FF2B5EF4-FFF2-40B4-BE49-F238E27FC236}">
+                <a16:creationId xmlns:a16="http://schemas.microsoft.com/office/drawing/2014/main" id="{4C9EA431-8BFE-45B4-82E8-82C8980F5723}"/>
+              </a:ext>
+            </a:extLst>
+          </p:cNvPr>
+          <p:cNvSpPr>
+            <a:spLocks noGrp="1"/>
+          </p:cNvSpPr>
+          <p:nvPr>
+            <p:ph type="body" sz="quarter" idx="10"/>
+          </p:nvPr>
+        </p:nvSpPr>
+        <p:spPr>
+          <a:xfrm>
+            <a:off x="269239" y="1189177"/>
+            <a:ext cx="11653523" cy="3149517"/>
+          </a:xfrm>
+        </p:spPr>
+        <p:txBody>
+          <a:bodyPr/>
+          <a:lstStyle/>
+          <a:p>
+            <a:pPr marL="0" indent="0">
+              <a:buNone/>
+            </a:pPr>
+            <a:r>
+              <a:rPr lang="en-US" dirty="0"/>
+              <a:t>1) How do you suggest implementing failover in the event that a factory needs to be taken offline for maintenance?</a:t>
+            </a:r>
+            <a:endParaRPr lang="en-US" sz="2800" dirty="0"/>
+          </a:p>
+          <a:p>
+            <a:pPr marL="0" indent="0">
+              <a:buNone/>
+            </a:pPr>
+            <a:endParaRPr lang="en-US" sz="2800" dirty="0"/>
+          </a:p>
+          <a:p>
+            <a:pPr marL="0" indent="0">
+              <a:buNone/>
+            </a:pPr>
+            <a:r>
+              <a:rPr lang="en-US" sz="2800" dirty="0"/>
+              <a:t>An Azure Function can subscribe to Azure Digital Twin update events and execute custom failover logic when appropriate.</a:t>
+            </a:r>
+          </a:p>
+        </p:txBody>
+      </p:sp>
+    </p:spTree>
+    <p:extLst>
+      <p:ext uri="{BB962C8B-B14F-4D97-AF65-F5344CB8AC3E}">
+        <p14:creationId xmlns:p14="http://schemas.microsoft.com/office/powerpoint/2010/main" val="2741302616"/>
+      </p:ext>
+    </p:extLst>
+  </p:cSld>
+  <p:clrMapOvr>
+    <a:masterClrMapping/>
+  </p:clrMapOvr>
+  <p:transition>
+    <p:fade/>
+  </p:transition>
+</p:sld>
+</file>
+
+<file path=ppt/slides/slide29.xml><?xml version="1.0" encoding="utf-8"?>
+<p:sld xmlns:a="http://schemas.openxmlformats.org/drawingml/2006/main" xmlns:r="http://schemas.openxmlformats.org/officeDocument/2006/relationships" xmlns:p="http://schemas.openxmlformats.org/presentationml/2006/main">
+  <p:cSld>
+    <p:spTree>
+      <p:nvGrpSpPr>
+        <p:cNvPr id="1" name=""/>
+        <p:cNvGrpSpPr/>
+        <p:nvPr/>
+      </p:nvGrpSpPr>
+      <p:grpSpPr>
+        <a:xfrm>
+          <a:off x="0" y="0"/>
+          <a:ext cx="0" cy="0"/>
+          <a:chOff x="0" y="0"/>
+          <a:chExt cx="0" cy="0"/>
+        </a:xfrm>
+      </p:grpSpPr>
+      <p:sp>
+        <p:nvSpPr>
+          <p:cNvPr id="3" name="Title 2">
+            <a:extLst>
+              <a:ext uri="{FF2B5EF4-FFF2-40B4-BE49-F238E27FC236}">
+                <a16:creationId xmlns:a16="http://schemas.microsoft.com/office/drawing/2014/main" id="{A3AA594C-0E47-430C-843D-437478DD6B9F}"/>
+              </a:ext>
+            </a:extLst>
+          </p:cNvPr>
+          <p:cNvSpPr>
+            <a:spLocks noGrp="1"/>
+          </p:cNvSpPr>
+          <p:nvPr>
+            <p:ph type="title"/>
+          </p:nvPr>
+        </p:nvSpPr>
+        <p:spPr/>
+        <p:txBody>
+          <a:bodyPr/>
+          <a:lstStyle/>
+          <a:p>
+            <a:r>
+              <a:rPr lang="en-US" sz="4000" dirty="0"/>
+              <a:t>Preferred solution – Data Visualization (1)</a:t>
+            </a:r>
+          </a:p>
+        </p:txBody>
+      </p:sp>
+      <p:sp>
+        <p:nvSpPr>
+          <p:cNvPr id="2" name="Text Placeholder 1">
+            <a:extLst>
+              <a:ext uri="{FF2B5EF4-FFF2-40B4-BE49-F238E27FC236}">
+                <a16:creationId xmlns:a16="http://schemas.microsoft.com/office/drawing/2014/main" id="{4C9EA431-8BFE-45B4-82E8-82C8980F5723}"/>
+              </a:ext>
+            </a:extLst>
+          </p:cNvPr>
+          <p:cNvSpPr>
+            <a:spLocks noGrp="1"/>
+          </p:cNvSpPr>
+          <p:nvPr>
+            <p:ph type="body" sz="quarter" idx="10"/>
+          </p:nvPr>
+        </p:nvSpPr>
+        <p:spPr>
+          <a:xfrm>
+            <a:off x="269239" y="1189177"/>
+            <a:ext cx="11653523" cy="3149517"/>
+          </a:xfrm>
+        </p:spPr>
+        <p:txBody>
+          <a:bodyPr/>
+          <a:lstStyle/>
+          <a:p>
+            <a:pPr marL="0" indent="0">
+              <a:buNone/>
+            </a:pPr>
+            <a:r>
+              <a:rPr lang="en-US" dirty="0"/>
+              <a:t>1) Contoso apparel needs to be able to perform ad-hoc queries and visualize historical data. What Azure service(s) would you suggest for this?</a:t>
+            </a:r>
+          </a:p>
+          <a:p>
+            <a:pPr marL="0" indent="0">
+              <a:buNone/>
+            </a:pPr>
+            <a:endParaRPr lang="en-US" sz="2800" dirty="0"/>
+          </a:p>
+          <a:p>
+            <a:pPr marL="0" indent="0">
+              <a:buNone/>
+            </a:pPr>
+            <a:r>
+              <a:rPr lang="en-US" sz="2800" dirty="0"/>
+              <a:t>Azure Time Series Insights allows for ad-hoc queries and visualization of historical data.</a:t>
+            </a:r>
+          </a:p>
+        </p:txBody>
+      </p:sp>
+    </p:spTree>
+    <p:extLst>
+      <p:ext uri="{BB962C8B-B14F-4D97-AF65-F5344CB8AC3E}">
+        <p14:creationId xmlns:p14="http://schemas.microsoft.com/office/powerpoint/2010/main" val="2297233297"/>
+      </p:ext>
+    </p:extLst>
+  </p:cSld>
+  <p:clrMapOvr>
+    <a:masterClrMapping/>
+  </p:clrMapOvr>
+  <p:transition>
+    <p:fade/>
+  </p:transition>
+</p:sld>
+</file>
+
+<file path=ppt/slides/slide3.xml><?xml version="1.0" encoding="utf-8"?>
 <p:sld xmlns:a="http://schemas.openxmlformats.org/drawingml/2006/main" xmlns:r="http://schemas.openxmlformats.org/officeDocument/2006/relationships" xmlns:p="http://schemas.openxmlformats.org/presentationml/2006/main">
   <p:cSld>
     <p:bg>
@@ -17924,7 +19430,7 @@
                 <a:latin typeface="Segoe UI Light" panose="020B0502040204020203" pitchFamily="34" charset="0"/>
                 <a:cs typeface="Segoe UI Light" panose="020B0502040204020203" pitchFamily="34" charset="0"/>
               </a:rPr>
-              <a:t>Abstract and learning objectives</a:t>
+              <a:t>Step 1: Review the customer case study</a:t>
             </a:r>
           </a:p>
         </p:txBody>
@@ -17943,8 +19449,8 @@
         </p:nvSpPr>
         <p:spPr>
           <a:xfrm>
-            <a:off x="380856" y="1470790"/>
-            <a:ext cx="11506344" cy="4105739"/>
+            <a:off x="340285" y="1741246"/>
+            <a:ext cx="7247965" cy="2597634"/>
           </a:xfrm>
           <a:prstGeom prst="rect">
             <a:avLst/>
@@ -17966,8 +19472,27 @@
               </a:spcAft>
             </a:pPr>
             <a:r>
-              <a:rPr lang="en-US" sz="2400" dirty="0"/>
-              <a:t>In this whiteboard design session, you will work in a group to evaluate Contoso's goals and design an IoT-based supply chain solution that uses the optimal combination of Azure tools and services that will fulfill their needs. You will also model their physical and logical environment to identify elements along with their properties and define the relationships between them. You will guide Contoso on deploying these models to Azure Digital Twins, how to leverage them and keep them up-to-date.</a:t>
+              <a:rPr lang="en-US" sz="3600" dirty="0">
+                <a:latin typeface="+mj-lt"/>
+              </a:rPr>
+              <a:t>Outcome</a:t>
+            </a:r>
+          </a:p>
+          <a:p>
+            <a:pPr>
+              <a:lnSpc>
+                <a:spcPct val="90000"/>
+              </a:lnSpc>
+              <a:spcAft>
+                <a:spcPts val="600"/>
+              </a:spcAft>
+            </a:pPr>
+            <a:r>
+              <a:rPr lang="en-US" sz="2400" dirty="0">
+                <a:latin typeface="Segoe UI Semilight" panose="020B0402040204020203" pitchFamily="34" charset="0"/>
+                <a:cs typeface="Segoe UI Semilight" panose="020B0402040204020203" pitchFamily="34" charset="0"/>
+              </a:rPr>
+              <a:t>Analyze your customer needs</a:t>
             </a:r>
           </a:p>
           <a:p>
@@ -17991,8 +19516,27 @@
               </a:spcAft>
             </a:pPr>
             <a:r>
-              <a:rPr lang="en-US" sz="2400" dirty="0"/>
-              <a:t>At the end of this whiteboard design session, you will be better able to design an end-to-end Azure IoT supply chain solution from telemetry ingestion to data insights, all while leveraging Azure Digital Twins.</a:t>
+              <a:rPr lang="en-US" sz="3600" dirty="0">
+                <a:latin typeface="+mj-lt"/>
+              </a:rPr>
+              <a:t>Timeframe</a:t>
+            </a:r>
+          </a:p>
+          <a:p>
+            <a:pPr>
+              <a:lnSpc>
+                <a:spcPct val="90000"/>
+              </a:lnSpc>
+              <a:spcAft>
+                <a:spcPts val="600"/>
+              </a:spcAft>
+            </a:pPr>
+            <a:r>
+              <a:rPr lang="en-US" sz="2400" dirty="0">
+                <a:latin typeface="Segoe UI Semilight" panose="020B0402040204020203" pitchFamily="34" charset="0"/>
+                <a:cs typeface="Segoe UI Semilight" panose="020B0402040204020203" pitchFamily="34" charset="0"/>
+              </a:rPr>
+              <a:t>15 minutes</a:t>
             </a:r>
           </a:p>
         </p:txBody>
@@ -18000,7 +19544,7 @@
     </p:spTree>
     <p:extLst>
       <p:ext uri="{BB962C8B-B14F-4D97-AF65-F5344CB8AC3E}">
-        <p14:creationId xmlns:p14="http://schemas.microsoft.com/office/powerpoint/2010/main" val="772880493"/>
+        <p14:creationId xmlns:p14="http://schemas.microsoft.com/office/powerpoint/2010/main" val="2071289292"/>
       </p:ext>
     </p:extLst>
   </p:cSld>
@@ -18018,457 +19562,7 @@
 </p:sld>
 </file>
 
-<file path=ppt/slides/slide20.xml><?xml version="1.0" encoding="utf-8"?>
-<p:sld xmlns:a="http://schemas.openxmlformats.org/drawingml/2006/main" xmlns:r="http://schemas.openxmlformats.org/officeDocument/2006/relationships" xmlns:p="http://schemas.openxmlformats.org/presentationml/2006/main">
-  <p:cSld>
-    <p:spTree>
-      <p:nvGrpSpPr>
-        <p:cNvPr id="1" name=""/>
-        <p:cNvGrpSpPr/>
-        <p:nvPr/>
-      </p:nvGrpSpPr>
-      <p:grpSpPr>
-        <a:xfrm>
-          <a:off x="0" y="0"/>
-          <a:ext cx="0" cy="0"/>
-          <a:chOff x="0" y="0"/>
-          <a:chExt cx="0" cy="0"/>
-        </a:xfrm>
-      </p:grpSpPr>
-      <p:sp>
-        <p:nvSpPr>
-          <p:cNvPr id="3" name="Title 2">
-            <a:extLst>
-              <a:ext uri="{FF2B5EF4-FFF2-40B4-BE49-F238E27FC236}">
-                <a16:creationId xmlns:a16="http://schemas.microsoft.com/office/drawing/2014/main" id="{A3AA594C-0E47-430C-843D-437478DD6B9F}"/>
-              </a:ext>
-            </a:extLst>
-          </p:cNvPr>
-          <p:cNvSpPr>
-            <a:spLocks noGrp="1"/>
-          </p:cNvSpPr>
-          <p:nvPr>
-            <p:ph type="title"/>
-          </p:nvPr>
-        </p:nvSpPr>
-        <p:spPr/>
-        <p:txBody>
-          <a:bodyPr/>
-          <a:lstStyle/>
-          <a:p>
-            <a:r>
-              <a:rPr lang="en-US" sz="4000" dirty="0"/>
-              <a:t>Preferred solution – Data ingestion and modeling (4)</a:t>
-            </a:r>
-          </a:p>
-        </p:txBody>
-      </p:sp>
-      <p:sp>
-        <p:nvSpPr>
-          <p:cNvPr id="2" name="Text Placeholder 1">
-            <a:extLst>
-              <a:ext uri="{FF2B5EF4-FFF2-40B4-BE49-F238E27FC236}">
-                <a16:creationId xmlns:a16="http://schemas.microsoft.com/office/drawing/2014/main" id="{4C9EA431-8BFE-45B4-82E8-82C8980F5723}"/>
-              </a:ext>
-            </a:extLst>
-          </p:cNvPr>
-          <p:cNvSpPr>
-            <a:spLocks noGrp="1"/>
-          </p:cNvSpPr>
-          <p:nvPr>
-            <p:ph type="body" sz="quarter" idx="10"/>
-          </p:nvPr>
-        </p:nvSpPr>
-        <p:spPr>
-          <a:xfrm>
-            <a:off x="269239" y="1189177"/>
-            <a:ext cx="11624653" cy="3149517"/>
-          </a:xfrm>
-        </p:spPr>
-        <p:txBody>
-          <a:bodyPr/>
-          <a:lstStyle/>
-          <a:p>
-            <a:pPr marL="0" indent="0">
-              <a:buNone/>
-            </a:pPr>
-            <a:r>
-              <a:rPr lang="en-US" dirty="0"/>
-              <a:t>4) Which Azure service(s) would you recommend so that Contoso Apparel can receive the humidity anomaly notification?</a:t>
-            </a:r>
-            <a:endParaRPr lang="en-US" sz="2800" dirty="0"/>
-          </a:p>
-          <a:p>
-            <a:pPr marL="0" indent="0">
-              <a:buNone/>
-            </a:pPr>
-            <a:endParaRPr lang="en-US" sz="2800" dirty="0"/>
-          </a:p>
-          <a:p>
-            <a:pPr marL="0" indent="0">
-              <a:buNone/>
-            </a:pPr>
-            <a:r>
-              <a:rPr lang="en-US" sz="2800" dirty="0"/>
-              <a:t>A Logic Application could be used to provide a number of notification types, including email and text message notifications.</a:t>
-            </a:r>
-          </a:p>
-        </p:txBody>
-      </p:sp>
-    </p:spTree>
-    <p:extLst>
-      <p:ext uri="{BB962C8B-B14F-4D97-AF65-F5344CB8AC3E}">
-        <p14:creationId xmlns:p14="http://schemas.microsoft.com/office/powerpoint/2010/main" val="1252504767"/>
-      </p:ext>
-    </p:extLst>
-  </p:cSld>
-  <p:clrMapOvr>
-    <a:masterClrMapping/>
-  </p:clrMapOvr>
-  <p:transition>
-    <p:fade/>
-  </p:transition>
-</p:sld>
-</file>
-
-<file path=ppt/slides/slide21.xml><?xml version="1.0" encoding="utf-8"?>
-<p:sld xmlns:a="http://schemas.openxmlformats.org/drawingml/2006/main" xmlns:r="http://schemas.openxmlformats.org/officeDocument/2006/relationships" xmlns:p="http://schemas.openxmlformats.org/presentationml/2006/main">
-  <p:cSld>
-    <p:spTree>
-      <p:nvGrpSpPr>
-        <p:cNvPr id="1" name=""/>
-        <p:cNvGrpSpPr/>
-        <p:nvPr/>
-      </p:nvGrpSpPr>
-      <p:grpSpPr>
-        <a:xfrm>
-          <a:off x="0" y="0"/>
-          <a:ext cx="0" cy="0"/>
-          <a:chOff x="0" y="0"/>
-          <a:chExt cx="0" cy="0"/>
-        </a:xfrm>
-      </p:grpSpPr>
-      <p:sp>
-        <p:nvSpPr>
-          <p:cNvPr id="3" name="Title 2">
-            <a:extLst>
-              <a:ext uri="{FF2B5EF4-FFF2-40B4-BE49-F238E27FC236}">
-                <a16:creationId xmlns:a16="http://schemas.microsoft.com/office/drawing/2014/main" id="{A3AA594C-0E47-430C-843D-437478DD6B9F}"/>
-              </a:ext>
-            </a:extLst>
-          </p:cNvPr>
-          <p:cNvSpPr>
-            <a:spLocks noGrp="1"/>
-          </p:cNvSpPr>
-          <p:nvPr>
-            <p:ph type="title"/>
-          </p:nvPr>
-        </p:nvSpPr>
-        <p:spPr/>
-        <p:txBody>
-          <a:bodyPr/>
-          <a:lstStyle/>
-          <a:p>
-            <a:r>
-              <a:rPr lang="en-US" dirty="0"/>
-              <a:t>Preferred solution – Model updates (1)</a:t>
-            </a:r>
-          </a:p>
-        </p:txBody>
-      </p:sp>
-      <p:sp>
-        <p:nvSpPr>
-          <p:cNvPr id="2" name="Text Placeholder 1">
-            <a:extLst>
-              <a:ext uri="{FF2B5EF4-FFF2-40B4-BE49-F238E27FC236}">
-                <a16:creationId xmlns:a16="http://schemas.microsoft.com/office/drawing/2014/main" id="{4C9EA431-8BFE-45B4-82E8-82C8980F5723}"/>
-              </a:ext>
-            </a:extLst>
-          </p:cNvPr>
-          <p:cNvSpPr>
-            <a:spLocks noGrp="1"/>
-          </p:cNvSpPr>
-          <p:nvPr>
-            <p:ph type="body" sz="quarter" idx="10"/>
-          </p:nvPr>
-        </p:nvSpPr>
-        <p:spPr>
-          <a:xfrm>
-            <a:off x="269239" y="1189177"/>
-            <a:ext cx="11653523" cy="2606483"/>
-          </a:xfrm>
-        </p:spPr>
-        <p:txBody>
-          <a:bodyPr/>
-          <a:lstStyle/>
-          <a:p>
-            <a:pPr marL="0" indent="0">
-              <a:buNone/>
-            </a:pPr>
-            <a:r>
-              <a:rPr lang="en-US" dirty="0"/>
-              <a:t>1) How do you suggest keeping the environment model up-to-date with the real world state?</a:t>
-            </a:r>
-          </a:p>
-          <a:p>
-            <a:pPr marL="0" indent="0">
-              <a:buNone/>
-            </a:pPr>
-            <a:endParaRPr lang="en-US" sz="2800" dirty="0"/>
-          </a:p>
-          <a:p>
-            <a:pPr marL="0" indent="0">
-              <a:buNone/>
-            </a:pPr>
-            <a:r>
-              <a:rPr lang="en-US" sz="2800" dirty="0"/>
-              <a:t>An Azure Function can process incoming telemetry and forward this information to Azure Digital Twins</a:t>
-            </a:r>
-          </a:p>
-        </p:txBody>
-      </p:sp>
-    </p:spTree>
-    <p:extLst>
-      <p:ext uri="{BB962C8B-B14F-4D97-AF65-F5344CB8AC3E}">
-        <p14:creationId xmlns:p14="http://schemas.microsoft.com/office/powerpoint/2010/main" val="998514772"/>
-      </p:ext>
-    </p:extLst>
-  </p:cSld>
-  <p:clrMapOvr>
-    <a:masterClrMapping/>
-  </p:clrMapOvr>
-  <p:transition>
-    <p:fade/>
-  </p:transition>
-</p:sld>
-</file>
-
-<file path=ppt/slides/slide22.xml><?xml version="1.0" encoding="utf-8"?>
-<p:sld xmlns:a="http://schemas.openxmlformats.org/drawingml/2006/main" xmlns:r="http://schemas.openxmlformats.org/officeDocument/2006/relationships" xmlns:p="http://schemas.openxmlformats.org/presentationml/2006/main">
-  <p:cSld>
-    <p:spTree>
-      <p:nvGrpSpPr>
-        <p:cNvPr id="1" name=""/>
-        <p:cNvGrpSpPr/>
-        <p:nvPr/>
-      </p:nvGrpSpPr>
-      <p:grpSpPr>
-        <a:xfrm>
-          <a:off x="0" y="0"/>
-          <a:ext cx="0" cy="0"/>
-          <a:chOff x="0" y="0"/>
-          <a:chExt cx="0" cy="0"/>
-        </a:xfrm>
-      </p:grpSpPr>
-      <p:sp>
-        <p:nvSpPr>
-          <p:cNvPr id="3" name="Title 2">
-            <a:extLst>
-              <a:ext uri="{FF2B5EF4-FFF2-40B4-BE49-F238E27FC236}">
-                <a16:creationId xmlns:a16="http://schemas.microsoft.com/office/drawing/2014/main" id="{A3AA594C-0E47-430C-843D-437478DD6B9F}"/>
-              </a:ext>
-            </a:extLst>
-          </p:cNvPr>
-          <p:cNvSpPr>
-            <a:spLocks noGrp="1"/>
-          </p:cNvSpPr>
-          <p:nvPr>
-            <p:ph type="title"/>
-          </p:nvPr>
-        </p:nvSpPr>
-        <p:spPr/>
-        <p:txBody>
-          <a:bodyPr/>
-          <a:lstStyle/>
-          <a:p>
-            <a:r>
-              <a:rPr lang="en-US" sz="4000" dirty="0"/>
-              <a:t>Preferred solution – Business logic implementation(1)</a:t>
-            </a:r>
-          </a:p>
-        </p:txBody>
-      </p:sp>
-      <p:sp>
-        <p:nvSpPr>
-          <p:cNvPr id="2" name="Text Placeholder 1">
-            <a:extLst>
-              <a:ext uri="{FF2B5EF4-FFF2-40B4-BE49-F238E27FC236}">
-                <a16:creationId xmlns:a16="http://schemas.microsoft.com/office/drawing/2014/main" id="{4C9EA431-8BFE-45B4-82E8-82C8980F5723}"/>
-              </a:ext>
-            </a:extLst>
-          </p:cNvPr>
-          <p:cNvSpPr>
-            <a:spLocks noGrp="1"/>
-          </p:cNvSpPr>
-          <p:nvPr>
-            <p:ph type="body" sz="quarter" idx="10"/>
-          </p:nvPr>
-        </p:nvSpPr>
-        <p:spPr>
-          <a:xfrm>
-            <a:off x="269239" y="1189177"/>
-            <a:ext cx="11653523" cy="3149517"/>
-          </a:xfrm>
-        </p:spPr>
-        <p:txBody>
-          <a:bodyPr/>
-          <a:lstStyle/>
-          <a:p>
-            <a:pPr marL="0" indent="0">
-              <a:buNone/>
-            </a:pPr>
-            <a:r>
-              <a:rPr lang="en-US" dirty="0"/>
-              <a:t>1) How do you suggest implementing failover in the event that a factory needs to be taken offline for maintenance?</a:t>
-            </a:r>
-            <a:endParaRPr lang="en-US" sz="2800" dirty="0"/>
-          </a:p>
-          <a:p>
-            <a:pPr marL="0" indent="0">
-              <a:buNone/>
-            </a:pPr>
-            <a:endParaRPr lang="en-US" sz="2800" dirty="0"/>
-          </a:p>
-          <a:p>
-            <a:pPr marL="0" indent="0">
-              <a:buNone/>
-            </a:pPr>
-            <a:r>
-              <a:rPr lang="en-US" sz="2800" dirty="0"/>
-              <a:t>An Azure Function can subscribe to Azure Digital Twin update events and execute custom failover logic when appropriate.</a:t>
-            </a:r>
-          </a:p>
-        </p:txBody>
-      </p:sp>
-    </p:spTree>
-    <p:extLst>
-      <p:ext uri="{BB962C8B-B14F-4D97-AF65-F5344CB8AC3E}">
-        <p14:creationId xmlns:p14="http://schemas.microsoft.com/office/powerpoint/2010/main" val="2741302616"/>
-      </p:ext>
-    </p:extLst>
-  </p:cSld>
-  <p:clrMapOvr>
-    <a:masterClrMapping/>
-  </p:clrMapOvr>
-  <p:transition>
-    <p:fade/>
-  </p:transition>
-</p:sld>
-</file>
-
-<file path=ppt/slides/slide23.xml><?xml version="1.0" encoding="utf-8"?>
-<p:sld xmlns:a="http://schemas.openxmlformats.org/drawingml/2006/main" xmlns:r="http://schemas.openxmlformats.org/officeDocument/2006/relationships" xmlns:p="http://schemas.openxmlformats.org/presentationml/2006/main">
-  <p:cSld>
-    <p:spTree>
-      <p:nvGrpSpPr>
-        <p:cNvPr id="1" name=""/>
-        <p:cNvGrpSpPr/>
-        <p:nvPr/>
-      </p:nvGrpSpPr>
-      <p:grpSpPr>
-        <a:xfrm>
-          <a:off x="0" y="0"/>
-          <a:ext cx="0" cy="0"/>
-          <a:chOff x="0" y="0"/>
-          <a:chExt cx="0" cy="0"/>
-        </a:xfrm>
-      </p:grpSpPr>
-      <p:sp>
-        <p:nvSpPr>
-          <p:cNvPr id="3" name="Title 2">
-            <a:extLst>
-              <a:ext uri="{FF2B5EF4-FFF2-40B4-BE49-F238E27FC236}">
-                <a16:creationId xmlns:a16="http://schemas.microsoft.com/office/drawing/2014/main" id="{A3AA594C-0E47-430C-843D-437478DD6B9F}"/>
-              </a:ext>
-            </a:extLst>
-          </p:cNvPr>
-          <p:cNvSpPr>
-            <a:spLocks noGrp="1"/>
-          </p:cNvSpPr>
-          <p:nvPr>
-            <p:ph type="title"/>
-          </p:nvPr>
-        </p:nvSpPr>
-        <p:spPr/>
-        <p:txBody>
-          <a:bodyPr/>
-          <a:lstStyle/>
-          <a:p>
-            <a:r>
-              <a:rPr lang="en-US" sz="4000" dirty="0"/>
-              <a:t>Preferred solution – Data Visualization (1)</a:t>
-            </a:r>
-          </a:p>
-        </p:txBody>
-      </p:sp>
-      <p:sp>
-        <p:nvSpPr>
-          <p:cNvPr id="2" name="Text Placeholder 1">
-            <a:extLst>
-              <a:ext uri="{FF2B5EF4-FFF2-40B4-BE49-F238E27FC236}">
-                <a16:creationId xmlns:a16="http://schemas.microsoft.com/office/drawing/2014/main" id="{4C9EA431-8BFE-45B4-82E8-82C8980F5723}"/>
-              </a:ext>
-            </a:extLst>
-          </p:cNvPr>
-          <p:cNvSpPr>
-            <a:spLocks noGrp="1"/>
-          </p:cNvSpPr>
-          <p:nvPr>
-            <p:ph type="body" sz="quarter" idx="10"/>
-          </p:nvPr>
-        </p:nvSpPr>
-        <p:spPr>
-          <a:xfrm>
-            <a:off x="269239" y="1189177"/>
-            <a:ext cx="11653523" cy="3149517"/>
-          </a:xfrm>
-        </p:spPr>
-        <p:txBody>
-          <a:bodyPr/>
-          <a:lstStyle/>
-          <a:p>
-            <a:pPr marL="0" indent="0">
-              <a:buNone/>
-            </a:pPr>
-            <a:r>
-              <a:rPr lang="en-US" dirty="0"/>
-              <a:t>1) Contoso apparel needs to be able to perform ad-hoc queries and visualize historical data. What Azure service(s) would you suggest for this?</a:t>
-            </a:r>
-          </a:p>
-          <a:p>
-            <a:pPr marL="0" indent="0">
-              <a:buNone/>
-            </a:pPr>
-            <a:endParaRPr lang="en-US" sz="2800" dirty="0"/>
-          </a:p>
-          <a:p>
-            <a:pPr marL="0" indent="0">
-              <a:buNone/>
-            </a:pPr>
-            <a:r>
-              <a:rPr lang="en-US" sz="2800" dirty="0"/>
-              <a:t>Azure Time Series Insights allows for ad-hoc queries and visualization of historical data.</a:t>
-            </a:r>
-          </a:p>
-        </p:txBody>
-      </p:sp>
-    </p:spTree>
-    <p:extLst>
-      <p:ext uri="{BB962C8B-B14F-4D97-AF65-F5344CB8AC3E}">
-        <p14:creationId xmlns:p14="http://schemas.microsoft.com/office/powerpoint/2010/main" val="2297233297"/>
-      </p:ext>
-    </p:extLst>
-  </p:cSld>
-  <p:clrMapOvr>
-    <a:masterClrMapping/>
-  </p:clrMapOvr>
-  <p:transition>
-    <p:fade/>
-  </p:transition>
-</p:sld>
-</file>
-
-<file path=ppt/slides/slide24.xml><?xml version="1.0" encoding="utf-8"?>
+<file path=ppt/slides/slide30.xml><?xml version="1.0" encoding="utf-8"?>
 <p:sld xmlns:a="http://schemas.openxmlformats.org/drawingml/2006/main" xmlns:r="http://schemas.openxmlformats.org/officeDocument/2006/relationships" xmlns:p="http://schemas.openxmlformats.org/presentationml/2006/main">
   <p:cSld>
     <p:spTree>
@@ -18633,7 +19727,7 @@
 </p:sld>
 </file>
 
-<file path=ppt/slides/slide25.xml><?xml version="1.0" encoding="utf-8"?>
+<file path=ppt/slides/slide31.xml><?xml version="1.0" encoding="utf-8"?>
 <p:sld xmlns:a="http://schemas.openxmlformats.org/drawingml/2006/main" xmlns:r="http://schemas.openxmlformats.org/officeDocument/2006/relationships" xmlns:p="http://schemas.openxmlformats.org/presentationml/2006/main">
   <p:cSld>
     <p:spTree>
@@ -18775,18 +19869,18 @@
   <p:clrMapOvr>
     <a:masterClrMapping/>
   </p:clrMapOvr>
-  <mc:AlternateContent xmlns:mc="http://schemas.openxmlformats.org/markup-compatibility/2006">
-    <mc:Choice xmlns:p14="http://schemas.microsoft.com/office/powerpoint/2010/main" Requires="p14">
+  <mc:AlternateContent xmlns:mc="http://schemas.openxmlformats.org/markup-compatibility/2006" xmlns:p14="http://schemas.microsoft.com/office/powerpoint/2010/main">
+    <mc:Choice Requires="p14">
       <p:transition p14:dur="0"/>
     </mc:Choice>
-    <mc:Fallback>
+    <mc:Fallback xmlns="">
       <p:transition/>
     </mc:Fallback>
   </mc:AlternateContent>
 </p:sld>
 </file>
 
-<file path=ppt/slides/slide26.xml><?xml version="1.0" encoding="utf-8"?>
+<file path=ppt/slides/slide32.xml><?xml version="1.0" encoding="utf-8"?>
 <p:sld xmlns:a="http://schemas.openxmlformats.org/drawingml/2006/main" xmlns:r="http://schemas.openxmlformats.org/officeDocument/2006/relationships" xmlns:p="http://schemas.openxmlformats.org/presentationml/2006/main">
   <p:cSld>
     <p:spTree>
@@ -18947,18 +20041,18 @@
   <p:clrMapOvr>
     <a:masterClrMapping/>
   </p:clrMapOvr>
-  <mc:AlternateContent xmlns:mc="http://schemas.openxmlformats.org/markup-compatibility/2006">
-    <mc:Choice xmlns:p14="http://schemas.microsoft.com/office/powerpoint/2010/main" Requires="p14">
+  <mc:AlternateContent xmlns:mc="http://schemas.openxmlformats.org/markup-compatibility/2006" xmlns:p14="http://schemas.microsoft.com/office/powerpoint/2010/main">
+    <mc:Choice Requires="p14">
       <p:transition p14:dur="0"/>
     </mc:Choice>
-    <mc:Fallback>
+    <mc:Fallback xmlns="">
       <p:transition/>
     </mc:Fallback>
   </mc:AlternateContent>
 </p:sld>
 </file>
 
-<file path=ppt/slides/slide27.xml><?xml version="1.0" encoding="utf-8"?>
+<file path=ppt/slides/slide33.xml><?xml version="1.0" encoding="utf-8"?>
 <p:sld xmlns:a="http://schemas.openxmlformats.org/drawingml/2006/main" xmlns:r="http://schemas.openxmlformats.org/officeDocument/2006/relationships" xmlns:p="http://schemas.openxmlformats.org/presentationml/2006/main">
   <p:cSld>
     <p:spTree>
@@ -19115,7 +20209,7 @@
 </p:sld>
 </file>
 
-<file path=ppt/slides/slide28.xml><?xml version="1.0" encoding="utf-8"?>
+<file path=ppt/slides/slide34.xml><?xml version="1.0" encoding="utf-8"?>
 <p:sld xmlns:a="http://schemas.openxmlformats.org/drawingml/2006/main" xmlns:r="http://schemas.openxmlformats.org/officeDocument/2006/relationships" xmlns:p="http://schemas.openxmlformats.org/presentationml/2006/main">
   <p:cSld>
     <p:bg>
@@ -19195,188 +20289,6 @@
       <p:transition spd="med">
         <p:fade/>
       </p:transition>
-    </mc:Fallback>
-  </mc:AlternateContent>
-</p:sld>
-</file>
-
-<file path=ppt/slides/slide3.xml><?xml version="1.0" encoding="utf-8"?>
-<p:sld xmlns:a="http://schemas.openxmlformats.org/drawingml/2006/main" xmlns:r="http://schemas.openxmlformats.org/officeDocument/2006/relationships" xmlns:p="http://schemas.openxmlformats.org/presentationml/2006/main">
-  <p:cSld>
-    <p:bg>
-      <p:bgPr>
-        <a:solidFill>
-          <a:schemeClr val="bg2"/>
-        </a:solidFill>
-        <a:effectLst/>
-      </p:bgPr>
-    </p:bg>
-    <p:spTree>
-      <p:nvGrpSpPr>
-        <p:cNvPr id="1" name=""/>
-        <p:cNvGrpSpPr/>
-        <p:nvPr/>
-      </p:nvGrpSpPr>
-      <p:grpSpPr>
-        <a:xfrm>
-          <a:off x="0" y="0"/>
-          <a:ext cx="0" cy="0"/>
-          <a:chOff x="0" y="0"/>
-          <a:chExt cx="0" cy="0"/>
-        </a:xfrm>
-      </p:grpSpPr>
-      <p:sp>
-        <p:nvSpPr>
-          <p:cNvPr id="2" name="Title 1"/>
-          <p:cNvSpPr>
-            <a:spLocks noGrp="1"/>
-          </p:cNvSpPr>
-          <p:nvPr>
-            <p:ph type="title"/>
-          </p:nvPr>
-        </p:nvSpPr>
-        <p:spPr/>
-        <p:txBody>
-          <a:bodyPr>
-            <a:normAutofit/>
-          </a:bodyPr>
-          <a:lstStyle/>
-          <a:p>
-            <a:r>
-              <a:rPr lang="en-US" sz="4400" dirty="0">
-                <a:solidFill>
-                  <a:schemeClr val="tx1"/>
-                </a:solidFill>
-                <a:latin typeface="Segoe UI Light" panose="020B0502040204020203" pitchFamily="34" charset="0"/>
-                <a:cs typeface="Segoe UI Light" panose="020B0502040204020203" pitchFamily="34" charset="0"/>
-              </a:rPr>
-              <a:t>Step 1: Review the customer case study</a:t>
-            </a:r>
-          </a:p>
-        </p:txBody>
-      </p:sp>
-      <p:sp>
-        <p:nvSpPr>
-          <p:cNvPr id="9" name="TextBox 8">
-            <a:extLst>
-              <a:ext uri="{FF2B5EF4-FFF2-40B4-BE49-F238E27FC236}">
-                <a16:creationId xmlns:a16="http://schemas.microsoft.com/office/drawing/2014/main" id="{0F86F9F9-39B5-4CE6-AF48-9ADAE40EA728}"/>
-              </a:ext>
-            </a:extLst>
-          </p:cNvPr>
-          <p:cNvSpPr txBox="1"/>
-          <p:nvPr/>
-        </p:nvSpPr>
-        <p:spPr>
-          <a:xfrm>
-            <a:off x="340285" y="1741246"/>
-            <a:ext cx="7247965" cy="2597634"/>
-          </a:xfrm>
-          <a:prstGeom prst="rect">
-            <a:avLst/>
-          </a:prstGeom>
-          <a:noFill/>
-        </p:spPr>
-        <p:txBody>
-          <a:bodyPr wrap="square" lIns="182880" tIns="146304" rIns="182880" bIns="146304" rtlCol="0">
-            <a:spAutoFit/>
-          </a:bodyPr>
-          <a:lstStyle/>
-          <a:p>
-            <a:pPr>
-              <a:lnSpc>
-                <a:spcPct val="90000"/>
-              </a:lnSpc>
-              <a:spcAft>
-                <a:spcPts val="600"/>
-              </a:spcAft>
-            </a:pPr>
-            <a:r>
-              <a:rPr lang="en-US" sz="3600" dirty="0">
-                <a:latin typeface="+mj-lt"/>
-              </a:rPr>
-              <a:t>Outcome</a:t>
-            </a:r>
-          </a:p>
-          <a:p>
-            <a:pPr>
-              <a:lnSpc>
-                <a:spcPct val="90000"/>
-              </a:lnSpc>
-              <a:spcAft>
-                <a:spcPts val="600"/>
-              </a:spcAft>
-            </a:pPr>
-            <a:r>
-              <a:rPr lang="en-US" sz="2400" dirty="0">
-                <a:latin typeface="Segoe UI Semilight" panose="020B0402040204020203" pitchFamily="34" charset="0"/>
-                <a:cs typeface="Segoe UI Semilight" panose="020B0402040204020203" pitchFamily="34" charset="0"/>
-              </a:rPr>
-              <a:t>Analyze your customer needs</a:t>
-            </a:r>
-          </a:p>
-          <a:p>
-            <a:pPr>
-              <a:lnSpc>
-                <a:spcPct val="90000"/>
-              </a:lnSpc>
-              <a:spcAft>
-                <a:spcPts val="600"/>
-              </a:spcAft>
-            </a:pPr>
-            <a:endParaRPr lang="en-US" sz="2400" dirty="0"/>
-          </a:p>
-          <a:p>
-            <a:pPr>
-              <a:lnSpc>
-                <a:spcPct val="90000"/>
-              </a:lnSpc>
-              <a:spcAft>
-                <a:spcPts val="600"/>
-              </a:spcAft>
-            </a:pPr>
-            <a:r>
-              <a:rPr lang="en-US" sz="3600" dirty="0">
-                <a:latin typeface="+mj-lt"/>
-              </a:rPr>
-              <a:t>Timeframe</a:t>
-            </a:r>
-          </a:p>
-          <a:p>
-            <a:pPr>
-              <a:lnSpc>
-                <a:spcPct val="90000"/>
-              </a:lnSpc>
-              <a:spcAft>
-                <a:spcPts val="600"/>
-              </a:spcAft>
-            </a:pPr>
-            <a:r>
-              <a:rPr lang="en-US" sz="2400" dirty="0">
-                <a:latin typeface="Segoe UI Semilight" panose="020B0402040204020203" pitchFamily="34" charset="0"/>
-                <a:cs typeface="Segoe UI Semilight" panose="020B0402040204020203" pitchFamily="34" charset="0"/>
-              </a:rPr>
-              <a:t>15 minutes</a:t>
-            </a:r>
-          </a:p>
-        </p:txBody>
-      </p:sp>
-    </p:spTree>
-    <p:extLst>
-      <p:ext uri="{BB962C8B-B14F-4D97-AF65-F5344CB8AC3E}">
-        <p14:creationId xmlns:p14="http://schemas.microsoft.com/office/powerpoint/2010/main" val="2071289292"/>
-      </p:ext>
-    </p:extLst>
-  </p:cSld>
-  <p:clrMapOvr>
-    <a:masterClrMapping/>
-  </p:clrMapOvr>
-  <mc:AlternateContent xmlns:mc="http://schemas.openxmlformats.org/markup-compatibility/2006" xmlns:p14="http://schemas.microsoft.com/office/powerpoint/2010/main">
-    <mc:Choice Requires="p14">
-      <p:transition p14:dur="0"/>
-    </mc:Choice>
-    <mc:Fallback xmlns="">
-      <p:transition/>
     </mc:Fallback>
   </mc:AlternateContent>
 </p:sld>
@@ -20637,7 +21549,13 @@
       </p:grpSpPr>
       <p:sp>
         <p:nvSpPr>
-          <p:cNvPr id="2" name="Title 1"/>
+          <p:cNvPr id="3" name="Title 2">
+            <a:extLst>
+              <a:ext uri="{FF2B5EF4-FFF2-40B4-BE49-F238E27FC236}">
+                <a16:creationId xmlns:a16="http://schemas.microsoft.com/office/drawing/2014/main" id="{41CD8C52-81D2-4167-82A3-C199A9A21B12}"/>
+              </a:ext>
+            </a:extLst>
+          </p:cNvPr>
           <p:cNvSpPr>
             <a:spLocks noGrp="1"/>
           </p:cNvSpPr>
@@ -20647,278 +21565,65 @@
         </p:nvSpPr>
         <p:spPr/>
         <p:txBody>
-          <a:bodyPr>
-            <a:normAutofit/>
-          </a:bodyPr>
+          <a:bodyPr/>
           <a:lstStyle/>
           <a:p>
             <a:r>
-              <a:rPr lang="en-US" sz="4400" dirty="0">
-                <a:solidFill>
-                  <a:schemeClr val="tx1"/>
-                </a:solidFill>
-                <a:latin typeface="Segoe UI Light" panose="020B0502040204020203" pitchFamily="34" charset="0"/>
-                <a:cs typeface="Segoe UI Light" panose="020B0502040204020203" pitchFamily="34" charset="0"/>
-              </a:rPr>
-              <a:t>Step 3: Present the solution</a:t>
+              <a:rPr lang="en-US" dirty="0"/>
+              <a:t>High-level architecture</a:t>
             </a:r>
           </a:p>
         </p:txBody>
       </p:sp>
       <p:sp>
         <p:nvSpPr>
-          <p:cNvPr id="9" name="TextBox 8">
+          <p:cNvPr id="2" name="Text Placeholder 1">
             <a:extLst>
               <a:ext uri="{FF2B5EF4-FFF2-40B4-BE49-F238E27FC236}">
-                <a16:creationId xmlns:a16="http://schemas.microsoft.com/office/drawing/2014/main" id="{0F86F9F9-39B5-4CE6-AF48-9ADAE40EA728}"/>
+                <a16:creationId xmlns:a16="http://schemas.microsoft.com/office/drawing/2014/main" id="{9A6D39E8-02CC-4661-9084-DC9F85B6634F}"/>
               </a:ext>
             </a:extLst>
           </p:cNvPr>
-          <p:cNvSpPr txBox="1"/>
-          <p:nvPr/>
+          <p:cNvSpPr>
+            <a:spLocks noGrp="1"/>
+          </p:cNvSpPr>
+          <p:nvPr>
+            <p:ph type="body" sz="quarter" idx="10"/>
+          </p:nvPr>
         </p:nvSpPr>
         <p:spPr>
           <a:xfrm>
-            <a:off x="340285" y="1062166"/>
-            <a:ext cx="10229103" cy="5838521"/>
+            <a:off x="269239" y="1189177"/>
+            <a:ext cx="11653523" cy="1735860"/>
           </a:xfrm>
-          <a:prstGeom prst="rect">
-            <a:avLst/>
-          </a:prstGeom>
-          <a:noFill/>
         </p:spPr>
         <p:txBody>
-          <a:bodyPr wrap="square" lIns="182880" tIns="146304" rIns="182880" bIns="146304" rtlCol="0">
-            <a:spAutoFit/>
-          </a:bodyPr>
+          <a:bodyPr/>
           <a:lstStyle/>
           <a:p>
-            <a:pPr>
-              <a:lnSpc>
-                <a:spcPct val="90000"/>
-              </a:lnSpc>
-              <a:spcAft>
-                <a:spcPts val="600"/>
-              </a:spcAft>
+            <a:pPr marL="0" indent="0">
+              <a:buNone/>
             </a:pPr>
             <a:r>
-              <a:rPr lang="en-US" sz="3600" dirty="0">
-                <a:latin typeface="+mj-lt"/>
-              </a:rPr>
-              <a:t>Outcome</a:t>
-            </a:r>
-          </a:p>
-          <a:p>
-            <a:pPr>
-              <a:lnSpc>
-                <a:spcPct val="90000"/>
-              </a:lnSpc>
-              <a:spcAft>
-                <a:spcPts val="600"/>
-              </a:spcAft>
-            </a:pPr>
-            <a:r>
-              <a:rPr lang="en-US" sz="2400" dirty="0">
-                <a:latin typeface="Segoe UI Semilight" panose="020B0402040204020203" pitchFamily="34" charset="0"/>
-                <a:cs typeface="Segoe UI Semilight" panose="020B0402040204020203" pitchFamily="34" charset="0"/>
-              </a:rPr>
-              <a:t>Present a solution to the target customer in a 15-minute chalk-talk format </a:t>
-            </a:r>
-            <a:endParaRPr lang="en-US" sz="3600" dirty="0">
-              <a:latin typeface="+mj-lt"/>
-            </a:endParaRPr>
-          </a:p>
-          <a:p>
-            <a:pPr>
-              <a:lnSpc>
-                <a:spcPct val="90000"/>
-              </a:lnSpc>
-              <a:spcAft>
-                <a:spcPts val="600"/>
-              </a:spcAft>
-            </a:pPr>
-            <a:endParaRPr lang="en-US" sz="2400" dirty="0">
-              <a:latin typeface="+mj-lt"/>
-            </a:endParaRPr>
-          </a:p>
-          <a:p>
-            <a:pPr>
-              <a:lnSpc>
-                <a:spcPct val="90000"/>
-              </a:lnSpc>
-              <a:spcAft>
-                <a:spcPts val="600"/>
-              </a:spcAft>
-            </a:pPr>
-            <a:r>
-              <a:rPr lang="en-US" sz="3600" dirty="0">
-                <a:latin typeface="+mj-lt"/>
-              </a:rPr>
-              <a:t>Timeframe</a:t>
-            </a:r>
-          </a:p>
-          <a:p>
-            <a:pPr>
-              <a:lnSpc>
-                <a:spcPct val="90000"/>
-              </a:lnSpc>
-              <a:spcAft>
-                <a:spcPts val="600"/>
-              </a:spcAft>
-            </a:pPr>
-            <a:r>
-              <a:rPr lang="en-US" sz="2400" dirty="0">
-                <a:latin typeface="Segoe UI Semilight" panose="020B0402040204020203" pitchFamily="34" charset="0"/>
-                <a:cs typeface="Segoe UI Semilight" panose="020B0402040204020203" pitchFamily="34" charset="0"/>
-              </a:rPr>
-              <a:t>30 minutes (15 minutes for each team to present and receive feedback) </a:t>
-            </a:r>
-          </a:p>
-          <a:p>
-            <a:pPr>
-              <a:lnSpc>
-                <a:spcPct val="90000"/>
-              </a:lnSpc>
-              <a:spcAft>
-                <a:spcPts val="600"/>
-              </a:spcAft>
-            </a:pPr>
-            <a:endParaRPr lang="en-US" sz="2400" dirty="0">
-              <a:latin typeface="+mj-lt"/>
-            </a:endParaRPr>
-          </a:p>
-          <a:p>
-            <a:pPr>
-              <a:lnSpc>
-                <a:spcPct val="90000"/>
-              </a:lnSpc>
-              <a:spcAft>
-                <a:spcPts val="600"/>
-              </a:spcAft>
-            </a:pPr>
-            <a:r>
-              <a:rPr lang="en-US" sz="3600" dirty="0">
-                <a:latin typeface="+mj-lt"/>
-              </a:rPr>
-              <a:t>Directions</a:t>
-            </a:r>
-          </a:p>
-          <a:p>
-            <a:pPr marL="342900" lvl="0" indent="-342900">
-              <a:buFont typeface="Arial" panose="020B0604020202020204" pitchFamily="34" charset="0"/>
-              <a:buChar char="•"/>
-            </a:pPr>
-            <a:r>
-              <a:rPr lang="en-US" sz="2000" dirty="0">
-                <a:latin typeface="Segoe UI Semilight" panose="020B0402040204020203" pitchFamily="34" charset="0"/>
-                <a:cs typeface="Segoe UI Semilight" panose="020B0402040204020203" pitchFamily="34" charset="0"/>
-              </a:rPr>
-              <a:t>Pair with another table</a:t>
-            </a:r>
-          </a:p>
-          <a:p>
-            <a:pPr marL="342900" lvl="0" indent="-342900">
-              <a:buFont typeface="Arial" panose="020B0604020202020204" pitchFamily="34" charset="0"/>
-              <a:buChar char="•"/>
-            </a:pPr>
-            <a:r>
-              <a:rPr lang="en-US" sz="2000" dirty="0">
-                <a:latin typeface="Segoe UI Semilight" panose="020B0402040204020203" pitchFamily="34" charset="0"/>
-                <a:cs typeface="Segoe UI Semilight" panose="020B0402040204020203" pitchFamily="34" charset="0"/>
-              </a:rPr>
-              <a:t>One table is the Microsoft team and the other table is the customer</a:t>
-            </a:r>
-          </a:p>
-          <a:p>
-            <a:pPr marL="342900" lvl="0" indent="-342900">
-              <a:buFont typeface="Arial" panose="020B0604020202020204" pitchFamily="34" charset="0"/>
-              <a:buChar char="•"/>
-            </a:pPr>
-            <a:r>
-              <a:rPr lang="en-US" sz="2000" dirty="0">
-                <a:latin typeface="Segoe UI Semilight" panose="020B0402040204020203" pitchFamily="34" charset="0"/>
-                <a:cs typeface="Segoe UI Semilight" panose="020B0402040204020203" pitchFamily="34" charset="0"/>
-              </a:rPr>
-              <a:t>The Microsoft team presents their proposed solution to the customer</a:t>
-            </a:r>
-          </a:p>
-          <a:p>
-            <a:pPr marL="342900" lvl="0" indent="-342900">
-              <a:buFont typeface="Arial" panose="020B0604020202020204" pitchFamily="34" charset="0"/>
-              <a:buChar char="•"/>
-            </a:pPr>
-            <a:r>
-              <a:rPr lang="en-US" sz="2000" dirty="0">
-                <a:latin typeface="Segoe UI Semilight" panose="020B0402040204020203" pitchFamily="34" charset="0"/>
-                <a:cs typeface="Segoe UI Semilight" panose="020B0402040204020203" pitchFamily="34" charset="0"/>
-              </a:rPr>
-              <a:t>The customer asks one of the objections from the list of objections in the case study</a:t>
-            </a:r>
-          </a:p>
-          <a:p>
-            <a:pPr marL="342900" lvl="0" indent="-342900">
-              <a:buFont typeface="Arial" panose="020B0604020202020204" pitchFamily="34" charset="0"/>
-              <a:buChar char="•"/>
-            </a:pPr>
-            <a:r>
-              <a:rPr lang="en-US" sz="2000" dirty="0">
-                <a:latin typeface="Segoe UI Semilight" panose="020B0402040204020203" pitchFamily="34" charset="0"/>
-                <a:cs typeface="Segoe UI Semilight" panose="020B0402040204020203" pitchFamily="34" charset="0"/>
-              </a:rPr>
-              <a:t>The Microsoft team responds to the objection</a:t>
-            </a:r>
-          </a:p>
-          <a:p>
-            <a:pPr marL="342900" lvl="0" indent="-342900">
-              <a:buFont typeface="Arial" panose="020B0604020202020204" pitchFamily="34" charset="0"/>
-              <a:buChar char="•"/>
-            </a:pPr>
-            <a:r>
-              <a:rPr lang="en-US" sz="2000" dirty="0">
-                <a:latin typeface="Segoe UI Semilight" panose="020B0402040204020203" pitchFamily="34" charset="0"/>
-                <a:cs typeface="Segoe UI Semilight" panose="020B0402040204020203" pitchFamily="34" charset="0"/>
-              </a:rPr>
-              <a:t>The customer team gives feedback to the Microsoft team</a:t>
-            </a:r>
-            <a:endParaRPr lang="en-US" sz="2000" strike="sngStrike" dirty="0">
-              <a:latin typeface="Segoe UI Semilight" panose="020B0402040204020203" pitchFamily="34" charset="0"/>
-              <a:cs typeface="Segoe UI Semilight" panose="020B0402040204020203" pitchFamily="34" charset="0"/>
-            </a:endParaRPr>
-          </a:p>
-          <a:p>
-            <a:pPr>
-              <a:lnSpc>
-                <a:spcPct val="90000"/>
-              </a:lnSpc>
-              <a:spcAft>
-                <a:spcPts val="600"/>
-              </a:spcAft>
-            </a:pPr>
-            <a:endParaRPr lang="en-US" sz="2400" dirty="0">
-              <a:latin typeface="Segoe UI Semilight" panose="020B0402040204020203" pitchFamily="34" charset="0"/>
-              <a:cs typeface="Segoe UI Semilight" panose="020B0402040204020203" pitchFamily="34" charset="0"/>
-            </a:endParaRPr>
+              <a:rPr lang="en-US" sz="2800" dirty="0"/>
+              <a:t>1. Without getting into the details (the following sections will address the details), diagram your initial vision for handling the top-level requirements for environment modeling, data ingestion and monitoring, model updates, business logic implementation, and data visualization.</a:t>
+            </a:r>
           </a:p>
         </p:txBody>
       </p:sp>
     </p:spTree>
     <p:extLst>
       <p:ext uri="{BB962C8B-B14F-4D97-AF65-F5344CB8AC3E}">
-        <p14:creationId xmlns:p14="http://schemas.microsoft.com/office/powerpoint/2010/main" val="3717261927"/>
+        <p14:creationId xmlns:p14="http://schemas.microsoft.com/office/powerpoint/2010/main" val="3778746764"/>
       </p:ext>
     </p:extLst>
   </p:cSld>
   <p:clrMapOvr>
     <a:masterClrMapping/>
   </p:clrMapOvr>
-  <mc:AlternateContent xmlns:mc="http://schemas.openxmlformats.org/markup-compatibility/2006" xmlns:p14="http://schemas.microsoft.com/office/powerpoint/2010/main">
-    <mc:Choice Requires="p14">
-      <p:transition p14:dur="0"/>
-    </mc:Choice>
-    <mc:Fallback xmlns="">
-      <p:transition/>
-    </mc:Fallback>
-  </mc:AlternateContent>
+  <p:transition>
+    <p:fade/>
+  </p:transition>
 </p:sld>
 </file>
 
@@ -21788,15 +22493,6 @@
 </file>
 
 <file path=customXml/item1.xml><?xml version="1.0" encoding="utf-8"?>
-<p:properties xmlns:p="http://schemas.microsoft.com/office/2006/metadata/properties" xmlns:xsi="http://www.w3.org/2001/XMLSchema-instance" xmlns:pc="http://schemas.microsoft.com/office/infopath/2007/PartnerControls">
-  <documentManagement>
-    <_ip_UnifiedCompliancePolicyUIAction xmlns="http://schemas.microsoft.com/sharepoint/v3" xsi:nil="true"/>
-    <_ip_UnifiedCompliancePolicyProperties xmlns="http://schemas.microsoft.com/sharepoint/v3" xsi:nil="true"/>
-  </documentManagement>
-</p:properties>
-</file>
-
-<file path=customXml/item2.xml><?xml version="1.0" encoding="utf-8"?>
 <ct:contentTypeSchema xmlns:ct="http://schemas.microsoft.com/office/2006/metadata/contentType" xmlns:ma="http://schemas.microsoft.com/office/2006/metadata/properties/metaAttributes" ct:_="" ma:_="" ma:contentTypeName="Document" ma:contentTypeID="0x010100D15DFA3690A15B4081582BBCC6BEAC3E" ma:contentTypeVersion="9" ma:contentTypeDescription="Create a new document." ma:contentTypeScope="" ma:versionID="642da1784587cbe85a7fdbbe4dc36103">
   <xsd:schema xmlns:xsd="http://www.w3.org/2001/XMLSchema" xmlns:xs="http://www.w3.org/2001/XMLSchema" xmlns:p="http://schemas.microsoft.com/office/2006/metadata/properties" xmlns:ns1="http://schemas.microsoft.com/sharepoint/v3" xmlns:ns2="2023ac63-7b75-4916-a9ee-591457758eee" xmlns:ns3="d9c797ad-d7c3-4982-82b7-81352a75e4a5" targetNamespace="http://schemas.microsoft.com/office/2006/metadata/properties" ma:root="true" ma:fieldsID="91198b0246576053cc55dd2c67035a89" ns1:_="" ns2:_="" ns3:_="">
     <xsd:import namespace="http://schemas.microsoft.com/sharepoint/v3"/>
@@ -21998,6 +22694,15 @@
 </ct:contentTypeSchema>
 </file>
 
+<file path=customXml/item2.xml><?xml version="1.0" encoding="utf-8"?>
+<p:properties xmlns:p="http://schemas.microsoft.com/office/2006/metadata/properties" xmlns:xsi="http://www.w3.org/2001/XMLSchema-instance" xmlns:pc="http://schemas.microsoft.com/office/infopath/2007/PartnerControls">
+  <documentManagement>
+    <_ip_UnifiedCompliancePolicyUIAction xmlns="http://schemas.microsoft.com/sharepoint/v3" xsi:nil="true"/>
+    <_ip_UnifiedCompliancePolicyProperties xmlns="http://schemas.microsoft.com/sharepoint/v3" xsi:nil="true"/>
+  </documentManagement>
+</p:properties>
+</file>
+
 <file path=customXml/item3.xml><?xml version="1.0" encoding="utf-8"?>
 <?mso-contentType ?>
 <FormTemplates xmlns="http://schemas.microsoft.com/sharepoint/v3/contenttype/forms">
@@ -22008,24 +22713,6 @@
 </file>
 
 <file path=customXml/itemProps1.xml><?xml version="1.0" encoding="utf-8"?>
-<ds:datastoreItem xmlns:ds="http://schemas.openxmlformats.org/officeDocument/2006/customXml" ds:itemID="{BAF7D529-36AB-45DA-B239-2F912F2D1610}">
-  <ds:schemaRefs>
-    <ds:schemaRef ds:uri="http://purl.org/dc/elements/1.1/"/>
-    <ds:schemaRef ds:uri="http://schemas.microsoft.com/office/2006/metadata/properties"/>
-    <ds:schemaRef ds:uri="http://purl.org/dc/terms/"/>
-    <ds:schemaRef ds:uri="http://schemas.microsoft.com/office/infopath/2007/PartnerControls"/>
-    <ds:schemaRef ds:uri="http://purl.org/dc/dcmitype/"/>
-    <ds:schemaRef ds:uri="http://schemas.openxmlformats.org/package/2006/metadata/core-properties"/>
-    <ds:schemaRef ds:uri="http://schemas.microsoft.com/office/2006/documentManagement/types"/>
-    <ds:schemaRef ds:uri="d9c797ad-d7c3-4982-82b7-81352a75e4a5"/>
-    <ds:schemaRef ds:uri="2023ac63-7b75-4916-a9ee-591457758eee"/>
-    <ds:schemaRef ds:uri="http://schemas.microsoft.com/sharepoint/v3"/>
-    <ds:schemaRef ds:uri="http://www.w3.org/XML/1998/namespace"/>
-  </ds:schemaRefs>
-</ds:datastoreItem>
-</file>
-
-<file path=customXml/itemProps2.xml><?xml version="1.0" encoding="utf-8"?>
 <ds:datastoreItem xmlns:ds="http://schemas.openxmlformats.org/officeDocument/2006/customXml" ds:itemID="{255F5BEB-6AD6-480A-8556-C80C5EBC10F2}">
   <ds:schemaRefs>
     <ds:schemaRef ds:uri="http://schemas.microsoft.com/office/2006/metadata/contentType"/>
@@ -22045,6 +22732,24 @@
 </ds:datastoreItem>
 </file>
 
+<file path=customXml/itemProps2.xml><?xml version="1.0" encoding="utf-8"?>
+<ds:datastoreItem xmlns:ds="http://schemas.openxmlformats.org/officeDocument/2006/customXml" ds:itemID="{BAF7D529-36AB-45DA-B239-2F912F2D1610}">
+  <ds:schemaRefs>
+    <ds:schemaRef ds:uri="http://purl.org/dc/elements/1.1/"/>
+    <ds:schemaRef ds:uri="http://schemas.microsoft.com/office/2006/metadata/properties"/>
+    <ds:schemaRef ds:uri="http://purl.org/dc/terms/"/>
+    <ds:schemaRef ds:uri="http://schemas.microsoft.com/office/infopath/2007/PartnerControls"/>
+    <ds:schemaRef ds:uri="http://purl.org/dc/dcmitype/"/>
+    <ds:schemaRef ds:uri="http://schemas.openxmlformats.org/package/2006/metadata/core-properties"/>
+    <ds:schemaRef ds:uri="http://schemas.microsoft.com/office/2006/documentManagement/types"/>
+    <ds:schemaRef ds:uri="d9c797ad-d7c3-4982-82b7-81352a75e4a5"/>
+    <ds:schemaRef ds:uri="2023ac63-7b75-4916-a9ee-591457758eee"/>
+    <ds:schemaRef ds:uri="http://schemas.microsoft.com/sharepoint/v3"/>
+    <ds:schemaRef ds:uri="http://www.w3.org/XML/1998/namespace"/>
+  </ds:schemaRefs>
+</ds:datastoreItem>
+</file>
+
 <file path=customXml/itemProps3.xml><?xml version="1.0" encoding="utf-8"?>
 <ds:datastoreItem xmlns:ds="http://schemas.openxmlformats.org/officeDocument/2006/customXml" ds:itemID="{F18501AF-04CF-4482-BAE1-607B49DDC378}">
   <ds:schemaRefs>
